--- a/Courses/Computer-Modeling-and-IT/Computer-Modeling-and-IT-6-Class/09-Creating-A-Table-With-Data-Of-Different-Types-And-Data-Presentation-Format/09-Creating-A-Table-With-Data-Of-Different-Types-And-Data-.pptx
+++ b/Courses/Computer-Modeling-and-IT/Computer-Modeling-and-IT-6-Class/09-Creating-A-Table-With-Data-Of-Different-Types-And-Data-Presentation-Format/09-Creating-A-Table-With-Data-Of-Different-Types-And-Data-.pptx
@@ -5,10 +5,10 @@
     <p:sldMasterId id="2147483675" r:id="rId1"/>
   </p:sldMasterIdLst>
   <p:notesMasterIdLst>
-    <p:notesMasterId r:id="rId11"/>
+    <p:notesMasterId r:id="rId13"/>
   </p:notesMasterIdLst>
   <p:handoutMasterIdLst>
-    <p:handoutMasterId r:id="rId12"/>
+    <p:handoutMasterId r:id="rId14"/>
   </p:handoutMasterIdLst>
   <p:sldIdLst>
     <p:sldId id="503" r:id="rId2"/>
@@ -17,9 +17,11 @@
     <p:sldId id="588" r:id="rId5"/>
     <p:sldId id="589" r:id="rId6"/>
     <p:sldId id="590" r:id="rId7"/>
-    <p:sldId id="586" r:id="rId8"/>
-    <p:sldId id="504" r:id="rId9"/>
-    <p:sldId id="505" r:id="rId10"/>
+    <p:sldId id="591" r:id="rId8"/>
+    <p:sldId id="592" r:id="rId9"/>
+    <p:sldId id="586" r:id="rId10"/>
+    <p:sldId id="504" r:id="rId11"/>
+    <p:sldId id="505" r:id="rId12"/>
   </p:sldIdLst>
   <p:sldSz cx="12192000" cy="6858000"/>
   <p:notesSz cx="6858000" cy="9144000"/>
@@ -133,6 +135,8 @@
             <p14:sldId id="588"/>
             <p14:sldId id="589"/>
             <p14:sldId id="590"/>
+            <p14:sldId id="591"/>
+            <p14:sldId id="592"/>
           </p14:sldIdLst>
         </p14:section>
         <p14:section name="Заключение" id="{E19D07F1-86E2-47E9-B2AB-7ADC4F89DC12}">
@@ -259,7 +263,7 @@
           <a:p>
             <a:fld id="{4E087215-0C8F-4762-A664-737A353EC9A4}" type="datetimeFigureOut">
               <a:rPr lang="bg-BG" smtClean="0"/>
-              <a:t>22.4.2024 г.</a:t>
+              <a:t>27.4.2024 г.</a:t>
             </a:fld>
             <a:endParaRPr lang="bg-BG"/>
           </a:p>
@@ -455,7 +459,7 @@
           <a:p>
             <a:fld id="{72D84649-876A-46C9-8472-14CB09C070D8}" type="datetimeFigureOut">
               <a:rPr lang="en-US" smtClean="0"/>
-              <a:t>4/22/2024</a:t>
+              <a:t>4/27/2024</a:t>
             </a:fld>
             <a:endParaRPr lang="en-US"/>
           </a:p>
@@ -1240,7 +1244,7 @@
             <a:fld id="{3EBA5BD7-F043-4D1B-AA17-CD412FC534DE}" type="slidenum">
               <a:rPr lang="en-US" smtClean="0"/>
               <a:pPr/>
-              <a:t>7</a:t>
+              <a:t>9</a:t>
             </a:fld>
             <a:endParaRPr lang="en-US" dirty="0"/>
           </a:p>
@@ -1431,7 +1435,7 @@
             <a:fld id="{3EBA5BD7-F043-4D1B-AA17-CD412FC534DE}" type="slidenum">
               <a:rPr lang="en-US" smtClean="0"/>
               <a:pPr/>
-              <a:t>8</a:t>
+              <a:t>10</a:t>
             </a:fld>
             <a:endParaRPr lang="en-US" dirty="0"/>
           </a:p>
@@ -1661,7 +1665,7 @@
             <a:fld id="{3EBA5BD7-F043-4D1B-AA17-CD412FC534DE}" type="slidenum">
               <a:rPr lang="en-US" smtClean="0"/>
               <a:pPr/>
-              <a:t>9</a:t>
+              <a:t>11</a:t>
             </a:fld>
             <a:endParaRPr lang="en-US" dirty="0"/>
           </a:p>
@@ -7035,6 +7039,593 @@
 </p:sld>
 </file>
 
+<file path=ppt/slides/slide10.xml><?xml version="1.0" encoding="utf-8"?>
+<p:sld xmlns:a="http://schemas.openxmlformats.org/drawingml/2006/main" xmlns:r="http://schemas.openxmlformats.org/officeDocument/2006/relationships" xmlns:p="http://schemas.openxmlformats.org/presentationml/2006/main">
+  <p:cSld>
+    <p:spTree>
+      <p:nvGrpSpPr>
+        <p:cNvPr id="1" name=""/>
+        <p:cNvGrpSpPr/>
+        <p:nvPr/>
+      </p:nvGrpSpPr>
+      <p:grpSpPr>
+        <a:xfrm>
+          <a:off x="0" y="0"/>
+          <a:ext cx="0" cy="0"/>
+          <a:chOff x="0" y="0"/>
+          <a:chExt cx="0" cy="0"/>
+        </a:xfrm>
+      </p:grpSpPr>
+      <p:sp>
+        <p:nvSpPr>
+          <p:cNvPr id="5" name="Slide Title">
+            <a:extLst>
+              <a:ext uri="{FF2B5EF4-FFF2-40B4-BE49-F238E27FC236}">
+                <a16:creationId xmlns:a16="http://schemas.microsoft.com/office/drawing/2014/main" id="{FA0703FC-0F8F-4C80-A615-E4B381EC0E0C}"/>
+              </a:ext>
+            </a:extLst>
+          </p:cNvPr>
+          <p:cNvSpPr>
+            <a:spLocks noGrp="1"/>
+          </p:cNvSpPr>
+          <p:nvPr>
+            <p:ph type="title"/>
+          </p:nvPr>
+        </p:nvSpPr>
+        <p:spPr/>
+        <p:txBody>
+          <a:bodyPr/>
+          <a:lstStyle/>
+          <a:p>
+            <a:r>
+              <a:rPr lang="bg-BG" dirty="0"/>
+              <a:t>Въпроси</a:t>
+            </a:r>
+            <a:r>
+              <a:rPr lang="en-US" dirty="0"/>
+              <a:t>?</a:t>
+            </a:r>
+          </a:p>
+        </p:txBody>
+      </p:sp>
+      <p:sp>
+        <p:nvSpPr>
+          <p:cNvPr id="2" name="Rectangle Bottom Copyright">
+            <a:extLst>
+              <a:ext uri="{FF2B5EF4-FFF2-40B4-BE49-F238E27FC236}">
+                <a16:creationId xmlns:a16="http://schemas.microsoft.com/office/drawing/2014/main" id="{664812A4-2991-44D1-BFE9-32E55AADF8A5}"/>
+              </a:ext>
+            </a:extLst>
+          </p:cNvPr>
+          <p:cNvSpPr/>
+          <p:nvPr/>
+        </p:nvSpPr>
+        <p:spPr>
+          <a:xfrm>
+            <a:off x="111000" y="6454758"/>
+            <a:ext cx="11970000" cy="304242"/>
+          </a:xfrm>
+          <a:prstGeom prst="rect">
+            <a:avLst/>
+          </a:prstGeom>
+        </p:spPr>
+        <p:txBody>
+          <a:bodyPr wrap="square">
+            <a:noAutofit/>
+          </a:bodyPr>
+          <a:lstStyle/>
+          <a:p>
+            <a:pPr algn="ctr">
+              <a:lnSpc>
+                <a:spcPct val="100000"/>
+              </a:lnSpc>
+              <a:spcBef>
+                <a:spcPts val="0"/>
+              </a:spcBef>
+              <a:spcAft>
+                <a:spcPts val="0"/>
+              </a:spcAft>
+            </a:pPr>
+            <a:r>
+              <a:rPr lang="bg-BG" sz="1600" dirty="0">
+                <a:solidFill>
+                  <a:schemeClr val="bg2"/>
+                </a:solidFill>
+                <a:effectLst/>
+                <a:latin typeface="Calibri" panose="020F0502020204030204" pitchFamily="34" charset="0"/>
+                <a:ea typeface="Calibri" panose="020F0502020204030204" pitchFamily="34" charset="0"/>
+                <a:cs typeface="Arial" panose="020B0604020202020204" pitchFamily="34" charset="0"/>
+              </a:rPr>
+              <a:t>Проект "</a:t>
+            </a:r>
+            <a:r>
+              <a:rPr lang="bg-BG" sz="1600" dirty="0">
+                <a:solidFill>
+                  <a:schemeClr val="bg1">
+                    <a:lumMod val="20000"/>
+                    <a:lumOff val="80000"/>
+                  </a:schemeClr>
+                </a:solidFill>
+                <a:effectLst/>
+                <a:latin typeface="Calibri" panose="020F0502020204030204" pitchFamily="34" charset="0"/>
+                <a:ea typeface="Calibri" panose="020F0502020204030204" pitchFamily="34" charset="0"/>
+                <a:cs typeface="Arial" panose="020B0604020202020204" pitchFamily="34" charset="0"/>
+                <a:hlinkClick r:id="rId3">
+                  <a:extLst>
+                    <a:ext uri="{A12FA001-AC4F-418D-AE19-62706E023703}">
+                      <ahyp:hlinkClr xmlns:ahyp="http://schemas.microsoft.com/office/drawing/2018/hyperlinkcolor" xmlns="" val="tx"/>
+                    </a:ext>
+                  </a:extLst>
+                </a:hlinkClick>
+              </a:rPr>
+              <a:t>Отворено учебно съдържание по програмиране и ИТ</a:t>
+            </a:r>
+            <a:r>
+              <a:rPr lang="bg-BG" sz="1600" dirty="0">
+                <a:solidFill>
+                  <a:schemeClr val="bg2"/>
+                </a:solidFill>
+                <a:effectLst/>
+                <a:latin typeface="Calibri" panose="020F0502020204030204" pitchFamily="34" charset="0"/>
+                <a:ea typeface="Calibri" panose="020F0502020204030204" pitchFamily="34" charset="0"/>
+                <a:cs typeface="Arial" panose="020B0604020202020204" pitchFamily="34" charset="0"/>
+              </a:rPr>
+              <a:t>", СофтУни Фондация (лиценз </a:t>
+            </a:r>
+            <a:r>
+              <a:rPr lang="en-US" sz="1600" dirty="0">
+                <a:solidFill>
+                  <a:schemeClr val="bg2"/>
+                </a:solidFill>
+                <a:effectLst/>
+                <a:latin typeface="Calibri" panose="020F0502020204030204" pitchFamily="34" charset="0"/>
+                <a:ea typeface="Calibri" panose="020F0502020204030204" pitchFamily="34" charset="0"/>
+                <a:cs typeface="Arial" panose="020B0604020202020204" pitchFamily="34" charset="0"/>
+              </a:rPr>
+              <a:t>CC-BY-NC-SA</a:t>
+            </a:r>
+            <a:r>
+              <a:rPr lang="bg-BG" sz="1600" dirty="0">
+                <a:solidFill>
+                  <a:schemeClr val="bg2"/>
+                </a:solidFill>
+                <a:effectLst/>
+                <a:latin typeface="Calibri" panose="020F0502020204030204" pitchFamily="34" charset="0"/>
+                <a:ea typeface="Calibri" panose="020F0502020204030204" pitchFamily="34" charset="0"/>
+                <a:cs typeface="Arial" panose="020B0604020202020204" pitchFamily="34" charset="0"/>
+              </a:rPr>
+              <a:t>)</a:t>
+            </a:r>
+            <a:endParaRPr lang="bg-BG" sz="2400" dirty="0">
+              <a:solidFill>
+                <a:schemeClr val="bg2"/>
+              </a:solidFill>
+              <a:effectLst/>
+              <a:latin typeface="Calibri" panose="020F0502020204030204" pitchFamily="34" charset="0"/>
+              <a:ea typeface="Calibri" panose="020F0502020204030204" pitchFamily="34" charset="0"/>
+              <a:cs typeface="Arial" panose="020B0604020202020204" pitchFamily="34" charset="0"/>
+            </a:endParaRPr>
+          </a:p>
+        </p:txBody>
+      </p:sp>
+    </p:spTree>
+    <p:extLst>
+      <p:ext uri="{BB962C8B-B14F-4D97-AF65-F5344CB8AC3E}">
+        <p14:creationId xmlns:p14="http://schemas.microsoft.com/office/powerpoint/2010/main" val="1472534970"/>
+      </p:ext>
+    </p:extLst>
+  </p:cSld>
+  <p:clrMapOvr>
+    <a:masterClrMapping/>
+  </p:clrMapOvr>
+  <mc:AlternateContent xmlns:mc="http://schemas.openxmlformats.org/markup-compatibility/2006" xmlns:p14="http://schemas.microsoft.com/office/powerpoint/2010/main">
+    <mc:Choice Requires="p14">
+      <p:transition spd="slow" p14:dur="2000" advClick="0" advTm="5000"/>
+    </mc:Choice>
+    <mc:Fallback xmlns="">
+      <p:transition spd="slow" advClick="0" advTm="5000"/>
+    </mc:Fallback>
+  </mc:AlternateContent>
+  <p:timing>
+    <p:tnLst>
+      <p:par>
+        <p:cTn id="1" dur="indefinite" restart="never" nodeType="tmRoot"/>
+      </p:par>
+    </p:tnLst>
+  </p:timing>
+</p:sld>
+</file>
+
+<file path=ppt/slides/slide11.xml><?xml version="1.0" encoding="utf-8"?>
+<p:sld xmlns:a="http://schemas.openxmlformats.org/drawingml/2006/main" xmlns:r="http://schemas.openxmlformats.org/officeDocument/2006/relationships" xmlns:p="http://schemas.openxmlformats.org/presentationml/2006/main">
+  <p:cSld>
+    <p:spTree>
+      <p:nvGrpSpPr>
+        <p:cNvPr id="1" name=""/>
+        <p:cNvGrpSpPr/>
+        <p:nvPr/>
+      </p:nvGrpSpPr>
+      <p:grpSpPr>
+        <a:xfrm>
+          <a:off x="0" y="0"/>
+          <a:ext cx="0" cy="0"/>
+          <a:chOff x="0" y="0"/>
+          <a:chExt cx="0" cy="0"/>
+        </a:xfrm>
+      </p:grpSpPr>
+      <p:sp>
+        <p:nvSpPr>
+          <p:cNvPr id="5" name="Slide Number">
+            <a:extLst>
+              <a:ext uri="{FF2B5EF4-FFF2-40B4-BE49-F238E27FC236}">
+                <a16:creationId xmlns:a16="http://schemas.microsoft.com/office/drawing/2014/main" id="{F48C3C93-90A1-4D31-BEA6-B54D1106CE31}"/>
+              </a:ext>
+            </a:extLst>
+          </p:cNvPr>
+          <p:cNvSpPr>
+            <a:spLocks noGrp="1"/>
+          </p:cNvSpPr>
+          <p:nvPr>
+            <p:ph type="sldNum" sz="quarter" idx="5"/>
+          </p:nvPr>
+        </p:nvSpPr>
+        <p:spPr>
+          <a:xfrm>
+            <a:off x="11753030" y="6507000"/>
+            <a:ext cx="367414" cy="297000"/>
+          </a:xfrm>
+          <a:prstGeom prst="rect">
+            <a:avLst/>
+          </a:prstGeom>
+        </p:spPr>
+        <p:txBody>
+          <a:bodyPr vert="horz" lIns="91440" tIns="45720" rIns="91440" bIns="45720" rtlCol="0" anchor="b"/>
+          <a:lstStyle>
+            <a:lvl1pPr algn="r">
+              <a:defRPr sz="1000"/>
+            </a:lvl1pPr>
+          </a:lstStyle>
+          <a:p>
+            <a:fld id="{2BF067CD-8E6B-4360-9AA8-C5DF2A48A6D1}" type="slidenum">
+              <a:rPr lang="en-US" smtClean="0"/>
+              <a:pPr/>
+              <a:t>11</a:t>
+            </a:fld>
+            <a:endParaRPr lang="en-US" dirty="0"/>
+          </a:p>
+        </p:txBody>
+      </p:sp>
+      <p:sp>
+        <p:nvSpPr>
+          <p:cNvPr id="2" name="Slide Body">
+            <a:extLst>
+              <a:ext uri="{FF2B5EF4-FFF2-40B4-BE49-F238E27FC236}">
+                <a16:creationId xmlns:a16="http://schemas.microsoft.com/office/drawing/2014/main" id="{980F49B1-E4BE-4389-A747-7AB9B71AD920}"/>
+              </a:ext>
+            </a:extLst>
+          </p:cNvPr>
+          <p:cNvSpPr>
+            <a:spLocks noGrp="1"/>
+          </p:cNvSpPr>
+          <p:nvPr>
+            <p:ph type="body" sz="quarter" idx="10"/>
+          </p:nvPr>
+        </p:nvSpPr>
+        <p:spPr>
+          <a:xfrm>
+            <a:off x="190402" y="1269001"/>
+            <a:ext cx="9865598" cy="2474999"/>
+          </a:xfrm>
+        </p:spPr>
+        <p:txBody>
+          <a:bodyPr>
+            <a:normAutofit/>
+          </a:bodyPr>
+          <a:lstStyle/>
+          <a:p>
+            <a:pPr>
+              <a:lnSpc>
+                <a:spcPct val="120000"/>
+              </a:lnSpc>
+            </a:pPr>
+            <a:r>
+              <a:rPr lang="bg-BG" sz="3200" dirty="0"/>
+              <a:t>Този курс</a:t>
+            </a:r>
+            <a:r>
+              <a:rPr lang="en-US" sz="3200" dirty="0"/>
+              <a:t> (</a:t>
+            </a:r>
+            <a:r>
+              <a:rPr lang="bg-BG" sz="3200" dirty="0"/>
+              <a:t>презентации, примери, демонстрационен код, упражнения, домашни, видео и други активи</a:t>
+            </a:r>
+            <a:r>
+              <a:rPr lang="en-US" sz="3200" dirty="0"/>
+              <a:t>) </a:t>
+            </a:r>
+            <a:r>
+              <a:rPr lang="bg-BG" sz="3200" dirty="0"/>
+              <a:t>представлява</a:t>
+            </a:r>
+            <a:r>
+              <a:rPr lang="en-US" sz="3200" dirty="0"/>
+              <a:t> </a:t>
+            </a:r>
+            <a:r>
+              <a:rPr lang="bg-BG" sz="3200" b="1" dirty="0"/>
+              <a:t>свободно учебно съдържание </a:t>
+            </a:r>
+            <a:r>
+              <a:rPr lang="bg-BG" sz="3200" dirty="0"/>
+              <a:t>и се разпространява под свободен лиценз </a:t>
+            </a:r>
+            <a:r>
+              <a:rPr lang="en-US" sz="3200" b="1" dirty="0"/>
+              <a:t>CC-BY-NC-SA</a:t>
+            </a:r>
+            <a:endParaRPr lang="bg-BG" sz="3200" dirty="0"/>
+          </a:p>
+        </p:txBody>
+      </p:sp>
+      <p:pic>
+        <p:nvPicPr>
+          <p:cNvPr id="6" name="Picture License" descr="License">
+            <a:extLst>
+              <a:ext uri="{FF2B5EF4-FFF2-40B4-BE49-F238E27FC236}">
+                <a16:creationId xmlns:a16="http://schemas.microsoft.com/office/drawing/2014/main" id="{82BA520F-A037-4E01-AA18-27D9F1E930A6}"/>
+              </a:ext>
+            </a:extLst>
+          </p:cNvPr>
+          <p:cNvPicPr>
+            <a:picLocks noChangeAspect="1"/>
+          </p:cNvPicPr>
+          <p:nvPr/>
+        </p:nvPicPr>
+        <p:blipFill>
+          <a:blip r:embed="rId3">
+            <a:clrChange>
+              <a:clrFrom>
+                <a:srgbClr val="FFFFFF"/>
+              </a:clrFrom>
+              <a:clrTo>
+                <a:srgbClr val="FFFFFF">
+                  <a:alpha val="0"/>
+                </a:srgbClr>
+              </a:clrTo>
+            </a:clrChange>
+          </a:blip>
+          <a:stretch>
+            <a:fillRect/>
+          </a:stretch>
+        </p:blipFill>
+        <p:spPr>
+          <a:xfrm>
+            <a:off x="10226175" y="1440120"/>
+            <a:ext cx="1198986" cy="1268880"/>
+          </a:xfrm>
+          <a:prstGeom prst="rect">
+            <a:avLst/>
+          </a:prstGeom>
+        </p:spPr>
+      </p:pic>
+      <p:sp>
+        <p:nvSpPr>
+          <p:cNvPr id="3" name="Slide Title">
+            <a:extLst>
+              <a:ext uri="{FF2B5EF4-FFF2-40B4-BE49-F238E27FC236}">
+                <a16:creationId xmlns:a16="http://schemas.microsoft.com/office/drawing/2014/main" id="{E5F1FB41-80C3-4816-BC47-CCC50632E6E8}"/>
+              </a:ext>
+            </a:extLst>
+          </p:cNvPr>
+          <p:cNvSpPr>
+            <a:spLocks noGrp="1"/>
+          </p:cNvSpPr>
+          <p:nvPr>
+            <p:ph type="title"/>
+          </p:nvPr>
+        </p:nvSpPr>
+        <p:spPr/>
+        <p:txBody>
+          <a:bodyPr/>
+          <a:lstStyle/>
+          <a:p>
+            <a:r>
+              <a:rPr lang="bg-BG" dirty="0"/>
+              <a:t>Лиценз</a:t>
+            </a:r>
+          </a:p>
+        </p:txBody>
+      </p:sp>
+      <p:sp>
+        <p:nvSpPr>
+          <p:cNvPr id="11" name="TextBox 10">
+            <a:extLst>
+              <a:ext uri="{FF2B5EF4-FFF2-40B4-BE49-F238E27FC236}">
+                <a16:creationId xmlns:a16="http://schemas.microsoft.com/office/drawing/2014/main" id="{0C18DF19-B750-4C88-975B-661A6BF61F5E}"/>
+              </a:ext>
+            </a:extLst>
+          </p:cNvPr>
+          <p:cNvSpPr txBox="1"/>
+          <p:nvPr/>
+        </p:nvSpPr>
+        <p:spPr>
+          <a:xfrm>
+            <a:off x="190401" y="3927519"/>
+            <a:ext cx="11710599" cy="1979644"/>
+          </a:xfrm>
+          <a:prstGeom prst="rect">
+            <a:avLst/>
+          </a:prstGeom>
+          <a:noFill/>
+          <a:ln w="12700">
+            <a:noFill/>
+          </a:ln>
+        </p:spPr>
+        <p:txBody>
+          <a:bodyPr wrap="square">
+            <a:spAutoFit/>
+          </a:bodyPr>
+          <a:lstStyle/>
+          <a:p>
+            <a:pPr marL="360363" indent="-360363" defTabSz="1218438">
+              <a:lnSpc>
+                <a:spcPct val="120000"/>
+              </a:lnSpc>
+              <a:spcBef>
+                <a:spcPts val="600"/>
+              </a:spcBef>
+              <a:spcAft>
+                <a:spcPts val="600"/>
+              </a:spcAft>
+              <a:buFont typeface="Wingdings" panose="05000000000000000000" pitchFamily="2" charset="2"/>
+              <a:buChar char="§"/>
+              <a:defRPr/>
+            </a:pPr>
+            <a:r>
+              <a:rPr lang="bg-BG" sz="3200" dirty="0"/>
+              <a:t>Проект "</a:t>
+            </a:r>
+            <a:r>
+              <a:rPr lang="bg-BG" sz="3200" b="1" dirty="0"/>
+              <a:t>Отворено учебно съдържание по програмиране и ИТ</a:t>
+            </a:r>
+            <a:r>
+              <a:rPr lang="bg-BG" sz="3200" dirty="0"/>
+              <a:t>" към Фондация "Софтуерен университет"</a:t>
+            </a:r>
+            <a:r>
+              <a:rPr lang="en-US" sz="3200" dirty="0"/>
+              <a:t>:</a:t>
+            </a:r>
+            <a:endParaRPr lang="bg-BG" sz="3200" dirty="0"/>
+          </a:p>
+          <a:p>
+            <a:pPr marL="817563" lvl="1" indent="-360363" defTabSz="1218438">
+              <a:lnSpc>
+                <a:spcPct val="120000"/>
+              </a:lnSpc>
+              <a:spcBef>
+                <a:spcPts val="600"/>
+              </a:spcBef>
+              <a:spcAft>
+                <a:spcPts val="600"/>
+              </a:spcAft>
+              <a:buFont typeface="Wingdings" panose="05000000000000000000" pitchFamily="2" charset="2"/>
+              <a:buChar char="§"/>
+              <a:defRPr/>
+            </a:pPr>
+            <a:r>
+              <a:rPr kumimoji="0" lang="en-US" sz="3200" b="0" i="0" u="none" strike="noStrike" kern="1200" cap="none" spc="0" normalizeH="0" baseline="0" noProof="0" dirty="0">
+                <a:ln>
+                  <a:noFill/>
+                </a:ln>
+                <a:solidFill>
+                  <a:srgbClr val="234465"/>
+                </a:solidFill>
+                <a:effectLst/>
+                <a:uLnTx/>
+                <a:uFillTx/>
+                <a:latin typeface="Calibri"/>
+                <a:ea typeface="+mn-ea"/>
+                <a:cs typeface="+mn-cs"/>
+                <a:hlinkClick r:id="rId4"/>
+              </a:rPr>
+              <a:t>https://github.com/BG-IT-Edu</a:t>
+            </a:r>
+            <a:endParaRPr kumimoji="0" lang="bg-BG" sz="3200" b="0" i="0" u="none" strike="noStrike" kern="1200" cap="none" spc="0" normalizeH="0" baseline="0" noProof="0" dirty="0">
+              <a:ln>
+                <a:noFill/>
+              </a:ln>
+              <a:solidFill>
+                <a:srgbClr val="234465"/>
+              </a:solidFill>
+              <a:effectLst/>
+              <a:uLnTx/>
+              <a:uFillTx/>
+              <a:latin typeface="Calibri"/>
+              <a:ea typeface="+mn-ea"/>
+              <a:cs typeface="+mn-cs"/>
+            </a:endParaRPr>
+          </a:p>
+        </p:txBody>
+      </p:sp>
+      <p:pic>
+        <p:nvPicPr>
+          <p:cNvPr id="7" name="Picture 6" title="CC-BY-NC-SA License">
+            <a:hlinkClick r:id="rId5" tooltip="This work is licensed under the &quot;Creative Commons Attribution-NonCommercial-ShareAlike 4.0 International&quot; license"/>
+            <a:extLst>
+              <a:ext uri="{FF2B5EF4-FFF2-40B4-BE49-F238E27FC236}">
+                <a16:creationId xmlns:a16="http://schemas.microsoft.com/office/drawing/2014/main" id="{F6C77C47-F7D8-A176-5C69-7FDE5C7E8003}"/>
+              </a:ext>
+            </a:extLst>
+          </p:cNvPr>
+          <p:cNvPicPr>
+            <a:picLocks noChangeAspect="1" noChangeArrowheads="1"/>
+          </p:cNvPicPr>
+          <p:nvPr/>
+        </p:nvPicPr>
+        <p:blipFill>
+          <a:blip r:embed="rId6">
+            <a:extLst>
+              <a:ext uri="{28A0092B-C50C-407E-A947-70E740481C1C}">
+                <a14:useLocalDpi xmlns:a14="http://schemas.microsoft.com/office/drawing/2010/main"/>
+              </a:ext>
+            </a:extLst>
+          </a:blip>
+          <a:srcRect/>
+          <a:stretch>
+            <a:fillRect/>
+          </a:stretch>
+        </p:blipFill>
+        <p:spPr bwMode="auto">
+          <a:xfrm>
+            <a:off x="9831000" y="2908593"/>
+            <a:ext cx="1989336" cy="696022"/>
+          </a:xfrm>
+          <a:prstGeom prst="roundRect">
+            <a:avLst>
+              <a:gd name="adj" fmla="val 3940"/>
+            </a:avLst>
+          </a:prstGeom>
+          <a:solidFill>
+            <a:srgbClr val="231F20">
+              <a:alpha val="50000"/>
+            </a:srgbClr>
+          </a:solidFill>
+          <a:ln>
+            <a:noFill/>
+          </a:ln>
+        </p:spPr>
+      </p:pic>
+    </p:spTree>
+    <p:extLst>
+      <p:ext uri="{BB962C8B-B14F-4D97-AF65-F5344CB8AC3E}">
+        <p14:creationId xmlns:p14="http://schemas.microsoft.com/office/powerpoint/2010/main" val="3879276042"/>
+      </p:ext>
+    </p:extLst>
+  </p:cSld>
+  <p:clrMapOvr>
+    <a:masterClrMapping/>
+  </p:clrMapOvr>
+  <mc:AlternateContent xmlns:mc="http://schemas.openxmlformats.org/markup-compatibility/2006" xmlns:p14="http://schemas.microsoft.com/office/powerpoint/2010/main">
+    <mc:Choice Requires="p14">
+      <p:transition spd="slow" p14:dur="2000" advClick="0" advTm="5000"/>
+    </mc:Choice>
+    <mc:Fallback xmlns="">
+      <p:transition spd="slow" advClick="0" advTm="5000"/>
+    </mc:Fallback>
+  </mc:AlternateContent>
+  <p:timing>
+    <p:tnLst>
+      <p:par>
+        <p:cTn id="1" dur="indefinite" restart="never" nodeType="tmRoot"/>
+      </p:par>
+    </p:tnLst>
+  </p:timing>
+</p:sld>
+</file>
+
 <file path=ppt/slides/slide2.xml><?xml version="1.0" encoding="utf-8"?>
 <p:sld xmlns:a="http://schemas.openxmlformats.org/drawingml/2006/main" xmlns:r="http://schemas.openxmlformats.org/officeDocument/2006/relationships" xmlns:p="http://schemas.openxmlformats.org/presentationml/2006/main">
   <p:cSld>
@@ -7204,14 +7795,17 @@
           <a:p>
             <a:r>
               <a:rPr lang="bg-BG" dirty="0" smtClean="0"/>
-              <a:t>͏Типове данни и формат на представяне на данните</a:t>
-            </a:r>
-          </a:p>
-          <a:p>
+              <a:t>Типове </a:t>
+            </a:r>
             <a:r>
               <a:rPr lang="bg-BG" dirty="0" smtClean="0"/>
-              <a:t>Създаване на ел. таблица по модел</a:t>
-            </a:r>
+              <a:t>данни и формат на представяне на </a:t>
+            </a:r>
+            <a:r>
+              <a:rPr lang="bg-BG" dirty="0" smtClean="0"/>
+              <a:t>данните</a:t>
+            </a:r>
+            <a:endParaRPr lang="bg-BG" dirty="0" smtClean="0"/>
           </a:p>
         </p:txBody>
       </p:sp>
@@ -7313,79 +7907,7 @@
   <p:timing>
     <p:tnLst>
       <p:par>
-        <p:cTn id="1" dur="indefinite" restart="never" nodeType="tmRoot">
-          <p:childTnLst>
-            <p:seq concurrent="1" nextAc="seek">
-              <p:cTn id="2" dur="indefinite" nodeType="mainSeq">
-                <p:childTnLst>
-                  <p:par>
-                    <p:cTn id="3" fill="hold">
-                      <p:stCondLst>
-                        <p:cond delay="indefinite"/>
-                      </p:stCondLst>
-                      <p:childTnLst>
-                        <p:par>
-                          <p:cTn id="4" fill="hold">
-                            <p:stCondLst>
-                              <p:cond delay="0"/>
-                            </p:stCondLst>
-                            <p:childTnLst>
-                              <p:par>
-                                <p:cTn id="5" presetID="1" presetClass="entr" presetSubtype="0" fill="hold" nodeType="clickEffect">
-                                  <p:stCondLst>
-                                    <p:cond delay="0"/>
-                                  </p:stCondLst>
-                                  <p:childTnLst>
-                                    <p:set>
-                                      <p:cBhvr>
-                                        <p:cTn id="6" dur="1" fill="hold">
-                                          <p:stCondLst>
-                                            <p:cond delay="0"/>
-                                          </p:stCondLst>
-                                        </p:cTn>
-                                        <p:tgtEl>
-                                          <p:spTgt spid="444419">
-                                            <p:txEl>
-                                              <p:pRg st="1" end="1"/>
-                                            </p:txEl>
-                                          </p:spTgt>
-                                        </p:tgtEl>
-                                        <p:attrNameLst>
-                                          <p:attrName>style.visibility</p:attrName>
-                                        </p:attrNameLst>
-                                      </p:cBhvr>
-                                      <p:to>
-                                        <p:strVal val="visible"/>
-                                      </p:to>
-                                    </p:set>
-                                  </p:childTnLst>
-                                </p:cTn>
-                              </p:par>
-                            </p:childTnLst>
-                          </p:cTn>
-                        </p:par>
-                      </p:childTnLst>
-                    </p:cTn>
-                  </p:par>
-                </p:childTnLst>
-              </p:cTn>
-              <p:prevCondLst>
-                <p:cond evt="onPrev" delay="0">
-                  <p:tgtEl>
-                    <p:sldTgt/>
-                  </p:tgtEl>
-                </p:cond>
-              </p:prevCondLst>
-              <p:nextCondLst>
-                <p:cond evt="onNext" delay="0">
-                  <p:tgtEl>
-                    <p:sldTgt/>
-                  </p:tgtEl>
-                </p:cond>
-              </p:nextCondLst>
-            </p:seq>
-          </p:childTnLst>
-        </p:cTn>
+        <p:cTn id="1" dur="indefinite" restart="never" nodeType="tmRoot"/>
       </p:par>
     </p:tnLst>
   </p:timing>
@@ -7682,7 +8204,15 @@
           <a:p>
             <a:r>
               <a:rPr lang="bg-BG" dirty="0"/>
-              <a:t>Типове данни</a:t>
+              <a:t>Типове </a:t>
+            </a:r>
+            <a:r>
+              <a:rPr lang="bg-BG" dirty="0" smtClean="0"/>
+              <a:t>данни в </a:t>
+            </a:r>
+            <a:r>
+              <a:rPr lang="en-US" dirty="0" smtClean="0"/>
+              <a:t>Excel</a:t>
             </a:r>
             <a:endParaRPr lang="en-US" dirty="0"/>
           </a:p>
@@ -11508,9 +12038,9 @@
           <p:nvPr/>
         </p:nvCxnSpPr>
         <p:spPr>
-          <a:xfrm>
-            <a:off x="4386000" y="4239000"/>
-            <a:ext cx="1215000" cy="225000"/>
+          <a:xfrm flipV="1">
+            <a:off x="4334770" y="4587086"/>
+            <a:ext cx="1266230" cy="386366"/>
           </a:xfrm>
           <a:prstGeom prst="straightConnector1">
             <a:avLst/>
@@ -11787,6 +12317,1877 @@
       </p:grpSpPr>
       <p:sp>
         <p:nvSpPr>
+          <p:cNvPr id="2" name="Slide Number Placeholder 1"/>
+          <p:cNvSpPr>
+            <a:spLocks noGrp="1"/>
+          </p:cNvSpPr>
+          <p:nvPr>
+            <p:ph type="sldNum" sz="quarter" idx="5"/>
+          </p:nvPr>
+        </p:nvSpPr>
+        <p:spPr/>
+        <p:txBody>
+          <a:bodyPr/>
+          <a:lstStyle/>
+          <a:p>
+            <a:fld id="{2BF067CD-8E6B-4360-9AA8-C5DF2A48A6D1}" type="slidenum">
+              <a:rPr lang="en-US" noProof="0" smtClean="0"/>
+              <a:pPr/>
+              <a:t>7</a:t>
+            </a:fld>
+            <a:endParaRPr lang="en-US" noProof="0" dirty="0"/>
+          </a:p>
+        </p:txBody>
+      </p:sp>
+      <p:sp>
+        <p:nvSpPr>
+          <p:cNvPr id="4" name="Title 3"/>
+          <p:cNvSpPr>
+            <a:spLocks noGrp="1"/>
+          </p:cNvSpPr>
+          <p:nvPr>
+            <p:ph type="title"/>
+          </p:nvPr>
+        </p:nvSpPr>
+        <p:spPr/>
+        <p:txBody>
+          <a:bodyPr/>
+          <a:lstStyle/>
+          <a:p>
+            <a:r>
+              <a:rPr lang="bg-BG" dirty="0"/>
+              <a:t>Формат на представяне на данните</a:t>
+            </a:r>
+            <a:endParaRPr lang="en-US" dirty="0"/>
+          </a:p>
+        </p:txBody>
+      </p:sp>
+      <p:pic>
+        <p:nvPicPr>
+          <p:cNvPr id="6" name="Picture 5"/>
+          <p:cNvPicPr>
+            <a:picLocks noChangeAspect="1"/>
+          </p:cNvPicPr>
+          <p:nvPr/>
+        </p:nvPicPr>
+        <p:blipFill>
+          <a:blip r:embed="rId2"/>
+          <a:stretch>
+            <a:fillRect/>
+          </a:stretch>
+        </p:blipFill>
+        <p:spPr>
+          <a:xfrm>
+            <a:off x="3261554" y="1536675"/>
+            <a:ext cx="5675791" cy="4970325"/>
+          </a:xfrm>
+          <a:prstGeom prst="rect">
+            <a:avLst/>
+          </a:prstGeom>
+          <a:ln>
+            <a:solidFill>
+              <a:schemeClr val="bg2">
+                <a:lumMod val="75000"/>
+              </a:schemeClr>
+            </a:solidFill>
+          </a:ln>
+        </p:spPr>
+      </p:pic>
+      <p:sp>
+        <p:nvSpPr>
+          <p:cNvPr id="7" name="Rectangle 6"/>
+          <p:cNvSpPr/>
+          <p:nvPr/>
+        </p:nvSpPr>
+        <p:spPr bwMode="auto">
+          <a:xfrm>
+            <a:off x="3378244" y="2169000"/>
+            <a:ext cx="1395000" cy="3015000"/>
+          </a:xfrm>
+          <a:prstGeom prst="rect">
+            <a:avLst/>
+          </a:prstGeom>
+          <a:noFill/>
+          <a:ln w="38100">
+            <a:solidFill>
+              <a:schemeClr val="tx1">
+                <a:lumMod val="75000"/>
+                <a:alpha val="80000"/>
+              </a:schemeClr>
+            </a:solidFill>
+          </a:ln>
+          <a:effectLst/>
+        </p:spPr>
+        <p:style>
+          <a:lnRef idx="2">
+            <a:schemeClr val="accent1">
+              <a:shade val="50000"/>
+            </a:schemeClr>
+          </a:lnRef>
+          <a:fillRef idx="1001">
+            <a:schemeClr val="dk2"/>
+          </a:fillRef>
+          <a:effectRef idx="0">
+            <a:schemeClr val="accent1"/>
+          </a:effectRef>
+          <a:fontRef idx="minor">
+            <a:schemeClr val="lt1"/>
+          </a:fontRef>
+        </p:style>
+        <p:txBody>
+          <a:bodyPr rot="0" spcFirstLastPara="0" vertOverflow="overflow" horzOverflow="overflow" vert="horz" wrap="square" lIns="91440" tIns="45720" rIns="91440" bIns="45720" numCol="1" spcCol="0" rtlCol="0" fromWordArt="0" anchor="ctr" anchorCtr="0" forceAA="0" compatLnSpc="1">
+            <a:prstTxWarp prst="textNoShape">
+              <a:avLst/>
+            </a:prstTxWarp>
+            <a:noAutofit/>
+          </a:bodyPr>
+          <a:lstStyle/>
+          <a:p>
+            <a:pPr algn="ctr"/>
+            <a:endParaRPr lang="en-US" sz="2800" b="1" dirty="0">
+              <a:solidFill>
+                <a:srgbClr val="FFFFFF"/>
+              </a:solidFill>
+              <a:effectLst>
+                <a:outerShdw blurRad="38100" dist="38100" dir="2700000" algn="tl">
+                  <a:srgbClr val="000000">
+                    <a:alpha val="43137"/>
+                  </a:srgbClr>
+                </a:outerShdw>
+              </a:effectLst>
+            </a:endParaRPr>
+          </a:p>
+        </p:txBody>
+      </p:sp>
+      <p:sp>
+        <p:nvSpPr>
+          <p:cNvPr id="8" name="Rounded Rectangular Callout 7"/>
+          <p:cNvSpPr/>
+          <p:nvPr/>
+        </p:nvSpPr>
+        <p:spPr bwMode="auto">
+          <a:xfrm>
+            <a:off x="561000" y="2169000"/>
+            <a:ext cx="2430000" cy="810000"/>
+          </a:xfrm>
+          <a:prstGeom prst="wedgeRoundRectCallout">
+            <a:avLst>
+              <a:gd name="adj1" fmla="val 63925"/>
+              <a:gd name="adj2" fmla="val 130453"/>
+              <a:gd name="adj3" fmla="val 16667"/>
+            </a:avLst>
+          </a:prstGeom>
+          <a:solidFill>
+            <a:schemeClr val="dk2">
+              <a:alpha val="80000"/>
+            </a:schemeClr>
+          </a:solidFill>
+          <a:ln w="19050">
+            <a:solidFill>
+              <a:schemeClr val="tx1">
+                <a:lumMod val="75000"/>
+                <a:alpha val="80000"/>
+              </a:schemeClr>
+            </a:solidFill>
+          </a:ln>
+          <a:effectLst/>
+        </p:spPr>
+        <p:style>
+          <a:lnRef idx="2">
+            <a:schemeClr val="accent1">
+              <a:shade val="50000"/>
+            </a:schemeClr>
+          </a:lnRef>
+          <a:fillRef idx="1001">
+            <a:schemeClr val="dk2"/>
+          </a:fillRef>
+          <a:effectRef idx="0">
+            <a:schemeClr val="accent1"/>
+          </a:effectRef>
+          <a:fontRef idx="minor">
+            <a:schemeClr val="lt1"/>
+          </a:fontRef>
+        </p:style>
+        <p:txBody>
+          <a:bodyPr rot="0" spcFirstLastPara="0" vertOverflow="overflow" horzOverflow="overflow" vert="horz" wrap="square" lIns="91440" tIns="45720" rIns="91440" bIns="45720" numCol="1" spcCol="0" rtlCol="0" fromWordArt="0" anchor="ctr" anchorCtr="0" forceAA="0" compatLnSpc="1">
+            <a:prstTxWarp prst="textNoShape">
+              <a:avLst/>
+            </a:prstTxWarp>
+            <a:noAutofit/>
+          </a:bodyPr>
+          <a:lstStyle/>
+          <a:p>
+            <a:pPr algn="ctr"/>
+            <a:r>
+              <a:rPr lang="bg-BG" sz="2800" b="1" dirty="0" smtClean="0">
+                <a:solidFill>
+                  <a:srgbClr val="FFFFFF"/>
+                </a:solidFill>
+                <a:effectLst>
+                  <a:outerShdw blurRad="38100" dist="38100" dir="2700000" algn="tl">
+                    <a:srgbClr val="000000">
+                      <a:alpha val="43137"/>
+                    </a:srgbClr>
+                  </a:outerShdw>
+                </a:effectLst>
+              </a:rPr>
+              <a:t>Типове данни</a:t>
+            </a:r>
+            <a:endParaRPr lang="en-US" sz="2800" b="1" dirty="0">
+              <a:solidFill>
+                <a:srgbClr val="FFFFFF"/>
+              </a:solidFill>
+              <a:effectLst>
+                <a:outerShdw blurRad="38100" dist="38100" dir="2700000" algn="tl">
+                  <a:srgbClr val="000000">
+                    <a:alpha val="43137"/>
+                  </a:srgbClr>
+                </a:outerShdw>
+              </a:effectLst>
+            </a:endParaRPr>
+          </a:p>
+        </p:txBody>
+      </p:sp>
+      <p:sp>
+        <p:nvSpPr>
+          <p:cNvPr id="9" name="Rectangle 8"/>
+          <p:cNvSpPr/>
+          <p:nvPr/>
+        </p:nvSpPr>
+        <p:spPr bwMode="auto">
+          <a:xfrm>
+            <a:off x="4786086" y="2394000"/>
+            <a:ext cx="4009914" cy="2790000"/>
+          </a:xfrm>
+          <a:prstGeom prst="rect">
+            <a:avLst/>
+          </a:prstGeom>
+          <a:noFill/>
+          <a:ln w="38100">
+            <a:solidFill>
+              <a:schemeClr val="tx1">
+                <a:lumMod val="75000"/>
+                <a:alpha val="80000"/>
+              </a:schemeClr>
+            </a:solidFill>
+          </a:ln>
+          <a:effectLst/>
+        </p:spPr>
+        <p:style>
+          <a:lnRef idx="2">
+            <a:schemeClr val="accent1">
+              <a:shade val="50000"/>
+            </a:schemeClr>
+          </a:lnRef>
+          <a:fillRef idx="1001">
+            <a:schemeClr val="dk2"/>
+          </a:fillRef>
+          <a:effectRef idx="0">
+            <a:schemeClr val="accent1"/>
+          </a:effectRef>
+          <a:fontRef idx="minor">
+            <a:schemeClr val="lt1"/>
+          </a:fontRef>
+        </p:style>
+        <p:txBody>
+          <a:bodyPr rot="0" spcFirstLastPara="0" vertOverflow="overflow" horzOverflow="overflow" vert="horz" wrap="square" lIns="91440" tIns="45720" rIns="91440" bIns="45720" numCol="1" spcCol="0" rtlCol="0" fromWordArt="0" anchor="ctr" anchorCtr="0" forceAA="0" compatLnSpc="1">
+            <a:prstTxWarp prst="textNoShape">
+              <a:avLst/>
+            </a:prstTxWarp>
+            <a:noAutofit/>
+          </a:bodyPr>
+          <a:lstStyle/>
+          <a:p>
+            <a:pPr algn="ctr"/>
+            <a:endParaRPr lang="en-US" sz="2800" b="1" dirty="0">
+              <a:solidFill>
+                <a:srgbClr val="FFFFFF"/>
+              </a:solidFill>
+              <a:effectLst>
+                <a:outerShdw blurRad="38100" dist="38100" dir="2700000" algn="tl">
+                  <a:srgbClr val="000000">
+                    <a:alpha val="43137"/>
+                  </a:srgbClr>
+                </a:outerShdw>
+              </a:effectLst>
+            </a:endParaRPr>
+          </a:p>
+        </p:txBody>
+      </p:sp>
+      <p:sp>
+        <p:nvSpPr>
+          <p:cNvPr id="10" name="Rounded Rectangular Callout 9"/>
+          <p:cNvSpPr/>
+          <p:nvPr/>
+        </p:nvSpPr>
+        <p:spPr bwMode="auto">
+          <a:xfrm>
+            <a:off x="9125130" y="2574000"/>
+            <a:ext cx="2627899" cy="990000"/>
+          </a:xfrm>
+          <a:prstGeom prst="wedgeRoundRectCallout">
+            <a:avLst>
+              <a:gd name="adj1" fmla="val -58705"/>
+              <a:gd name="adj2" fmla="val 89203"/>
+              <a:gd name="adj3" fmla="val 16667"/>
+            </a:avLst>
+          </a:prstGeom>
+          <a:solidFill>
+            <a:schemeClr val="dk2">
+              <a:alpha val="80000"/>
+            </a:schemeClr>
+          </a:solidFill>
+          <a:ln w="19050">
+            <a:solidFill>
+              <a:schemeClr val="tx1">
+                <a:lumMod val="75000"/>
+                <a:alpha val="80000"/>
+              </a:schemeClr>
+            </a:solidFill>
+          </a:ln>
+          <a:effectLst/>
+        </p:spPr>
+        <p:style>
+          <a:lnRef idx="2">
+            <a:schemeClr val="accent1">
+              <a:shade val="50000"/>
+            </a:schemeClr>
+          </a:lnRef>
+          <a:fillRef idx="1001">
+            <a:schemeClr val="dk2"/>
+          </a:fillRef>
+          <a:effectRef idx="0">
+            <a:schemeClr val="accent1"/>
+          </a:effectRef>
+          <a:fontRef idx="minor">
+            <a:schemeClr val="lt1"/>
+          </a:fontRef>
+        </p:style>
+        <p:txBody>
+          <a:bodyPr rot="0" spcFirstLastPara="0" vertOverflow="overflow" horzOverflow="overflow" vert="horz" wrap="square" lIns="91440" tIns="45720" rIns="91440" bIns="45720" numCol="1" spcCol="0" rtlCol="0" fromWordArt="0" anchor="ctr" anchorCtr="0" forceAA="0" compatLnSpc="1">
+            <a:prstTxWarp prst="textNoShape">
+              <a:avLst/>
+            </a:prstTxWarp>
+            <a:noAutofit/>
+          </a:bodyPr>
+          <a:lstStyle/>
+          <a:p>
+            <a:pPr algn="ctr"/>
+            <a:r>
+              <a:rPr lang="bg-BG" sz="2800" b="1" dirty="0" smtClean="0">
+                <a:solidFill>
+                  <a:srgbClr val="FFFFFF"/>
+                </a:solidFill>
+                <a:effectLst>
+                  <a:outerShdw blurRad="38100" dist="38100" dir="2700000" algn="tl">
+                    <a:srgbClr val="000000">
+                      <a:alpha val="43137"/>
+                    </a:srgbClr>
+                  </a:outerShdw>
+                </a:effectLst>
+              </a:rPr>
+              <a:t>Допълнителни опции</a:t>
+            </a:r>
+            <a:endParaRPr lang="en-US" sz="2800" b="1" dirty="0">
+              <a:solidFill>
+                <a:srgbClr val="FFFFFF"/>
+              </a:solidFill>
+              <a:effectLst>
+                <a:outerShdw blurRad="38100" dist="38100" dir="2700000" algn="tl">
+                  <a:srgbClr val="000000">
+                    <a:alpha val="43137"/>
+                  </a:srgbClr>
+                </a:outerShdw>
+              </a:effectLst>
+            </a:endParaRPr>
+          </a:p>
+        </p:txBody>
+      </p:sp>
+      <p:sp>
+        <p:nvSpPr>
+          <p:cNvPr id="11" name="Rounded Rectangular Callout 10"/>
+          <p:cNvSpPr/>
+          <p:nvPr/>
+        </p:nvSpPr>
+        <p:spPr bwMode="auto">
+          <a:xfrm>
+            <a:off x="5826001" y="4756918"/>
+            <a:ext cx="5927028" cy="1552082"/>
+          </a:xfrm>
+          <a:prstGeom prst="wedgeRoundRectCallout">
+            <a:avLst>
+              <a:gd name="adj1" fmla="val -40170"/>
+              <a:gd name="adj2" fmla="val -148705"/>
+              <a:gd name="adj3" fmla="val 16667"/>
+            </a:avLst>
+          </a:prstGeom>
+          <a:solidFill>
+            <a:schemeClr val="dk2">
+              <a:alpha val="80000"/>
+            </a:schemeClr>
+          </a:solidFill>
+          <a:ln w="19050">
+            <a:solidFill>
+              <a:schemeClr val="tx1">
+                <a:lumMod val="75000"/>
+                <a:alpha val="80000"/>
+              </a:schemeClr>
+            </a:solidFill>
+          </a:ln>
+          <a:effectLst/>
+        </p:spPr>
+        <p:style>
+          <a:lnRef idx="2">
+            <a:schemeClr val="accent1">
+              <a:shade val="50000"/>
+            </a:schemeClr>
+          </a:lnRef>
+          <a:fillRef idx="1001">
+            <a:schemeClr val="dk2"/>
+          </a:fillRef>
+          <a:effectRef idx="0">
+            <a:schemeClr val="accent1"/>
+          </a:effectRef>
+          <a:fontRef idx="minor">
+            <a:schemeClr val="lt1"/>
+          </a:fontRef>
+        </p:style>
+        <p:txBody>
+          <a:bodyPr rot="0" spcFirstLastPara="0" vertOverflow="overflow" horzOverflow="overflow" vert="horz" wrap="square" lIns="91440" tIns="45720" rIns="91440" bIns="45720" numCol="1" spcCol="0" rtlCol="0" fromWordArt="0" anchor="ctr" anchorCtr="0" forceAA="0" compatLnSpc="1">
+            <a:prstTxWarp prst="textNoShape">
+              <a:avLst/>
+            </a:prstTxWarp>
+            <a:noAutofit/>
+          </a:bodyPr>
+          <a:lstStyle/>
+          <a:p>
+            <a:pPr algn="ctr"/>
+            <a:r>
+              <a:rPr lang="bg-BG" sz="2800" b="1" dirty="0" smtClean="0">
+                <a:solidFill>
+                  <a:srgbClr val="FFFFFF"/>
+                </a:solidFill>
+                <a:effectLst>
+                  <a:outerShdw blurRad="38100" dist="38100" dir="2700000" algn="tl">
+                    <a:srgbClr val="000000">
+                      <a:alpha val="43137"/>
+                    </a:srgbClr>
+                  </a:outerShdw>
+                </a:effectLst>
+              </a:rPr>
+              <a:t>Когато форматирате число, може да задавате колко знака след десетичната запетая да се показват</a:t>
+            </a:r>
+            <a:endParaRPr lang="en-US" sz="2800" b="1" dirty="0">
+              <a:solidFill>
+                <a:srgbClr val="FFFFFF"/>
+              </a:solidFill>
+              <a:effectLst>
+                <a:outerShdw blurRad="38100" dist="38100" dir="2700000" algn="tl">
+                  <a:srgbClr val="000000">
+                    <a:alpha val="43137"/>
+                  </a:srgbClr>
+                </a:outerShdw>
+              </a:effectLst>
+            </a:endParaRPr>
+          </a:p>
+        </p:txBody>
+      </p:sp>
+    </p:spTree>
+    <p:extLst>
+      <p:ext uri="{BB962C8B-B14F-4D97-AF65-F5344CB8AC3E}">
+        <p14:creationId xmlns:p14="http://schemas.microsoft.com/office/powerpoint/2010/main" val="1351359944"/>
+      </p:ext>
+    </p:extLst>
+  </p:cSld>
+  <p:clrMapOvr>
+    <a:masterClrMapping/>
+  </p:clrMapOvr>
+  <mc:AlternateContent xmlns:mc="http://schemas.openxmlformats.org/markup-compatibility/2006" xmlns:p14="http://schemas.microsoft.com/office/powerpoint/2010/main">
+    <mc:Choice Requires="p14">
+      <p:transition spd="slow" p14:dur="2000" advClick="0" advTm="5000"/>
+    </mc:Choice>
+    <mc:Fallback xmlns="">
+      <p:transition spd="slow" advClick="0" advTm="5000"/>
+    </mc:Fallback>
+  </mc:AlternateContent>
+  <p:timing>
+    <p:tnLst>
+      <p:par>
+        <p:cTn id="1" dur="indefinite" restart="never" nodeType="tmRoot">
+          <p:childTnLst>
+            <p:seq concurrent="1" nextAc="seek">
+              <p:cTn id="2" dur="indefinite" nodeType="mainSeq">
+                <p:childTnLst>
+                  <p:par>
+                    <p:cTn id="3" fill="hold">
+                      <p:stCondLst>
+                        <p:cond delay="indefinite"/>
+                      </p:stCondLst>
+                      <p:childTnLst>
+                        <p:par>
+                          <p:cTn id="4" fill="hold">
+                            <p:stCondLst>
+                              <p:cond delay="0"/>
+                            </p:stCondLst>
+                            <p:childTnLst>
+                              <p:par>
+                                <p:cTn id="5" presetID="1" presetClass="entr" presetSubtype="0" fill="hold" grpId="0" nodeType="clickEffect">
+                                  <p:stCondLst>
+                                    <p:cond delay="0"/>
+                                  </p:stCondLst>
+                                  <p:childTnLst>
+                                    <p:set>
+                                      <p:cBhvr>
+                                        <p:cTn id="6" dur="1" fill="hold">
+                                          <p:stCondLst>
+                                            <p:cond delay="0"/>
+                                          </p:stCondLst>
+                                        </p:cTn>
+                                        <p:tgtEl>
+                                          <p:spTgt spid="7"/>
+                                        </p:tgtEl>
+                                        <p:attrNameLst>
+                                          <p:attrName>style.visibility</p:attrName>
+                                        </p:attrNameLst>
+                                      </p:cBhvr>
+                                      <p:to>
+                                        <p:strVal val="visible"/>
+                                      </p:to>
+                                    </p:set>
+                                  </p:childTnLst>
+                                </p:cTn>
+                              </p:par>
+                            </p:childTnLst>
+                          </p:cTn>
+                        </p:par>
+                      </p:childTnLst>
+                    </p:cTn>
+                  </p:par>
+                  <p:par>
+                    <p:cTn id="7" fill="hold">
+                      <p:stCondLst>
+                        <p:cond delay="indefinite"/>
+                      </p:stCondLst>
+                      <p:childTnLst>
+                        <p:par>
+                          <p:cTn id="8" fill="hold">
+                            <p:stCondLst>
+                              <p:cond delay="0"/>
+                            </p:stCondLst>
+                            <p:childTnLst>
+                              <p:par>
+                                <p:cTn id="9" presetID="1" presetClass="entr" presetSubtype="0" fill="hold" grpId="0" nodeType="clickEffect">
+                                  <p:stCondLst>
+                                    <p:cond delay="0"/>
+                                  </p:stCondLst>
+                                  <p:childTnLst>
+                                    <p:set>
+                                      <p:cBhvr>
+                                        <p:cTn id="10" dur="1" fill="hold">
+                                          <p:stCondLst>
+                                            <p:cond delay="0"/>
+                                          </p:stCondLst>
+                                        </p:cTn>
+                                        <p:tgtEl>
+                                          <p:spTgt spid="8"/>
+                                        </p:tgtEl>
+                                        <p:attrNameLst>
+                                          <p:attrName>style.visibility</p:attrName>
+                                        </p:attrNameLst>
+                                      </p:cBhvr>
+                                      <p:to>
+                                        <p:strVal val="visible"/>
+                                      </p:to>
+                                    </p:set>
+                                  </p:childTnLst>
+                                </p:cTn>
+                              </p:par>
+                            </p:childTnLst>
+                          </p:cTn>
+                        </p:par>
+                      </p:childTnLst>
+                    </p:cTn>
+                  </p:par>
+                  <p:par>
+                    <p:cTn id="11" fill="hold">
+                      <p:stCondLst>
+                        <p:cond delay="indefinite"/>
+                      </p:stCondLst>
+                      <p:childTnLst>
+                        <p:par>
+                          <p:cTn id="12" fill="hold">
+                            <p:stCondLst>
+                              <p:cond delay="0"/>
+                            </p:stCondLst>
+                            <p:childTnLst>
+                              <p:par>
+                                <p:cTn id="13" presetID="1" presetClass="entr" presetSubtype="0" fill="hold" grpId="0" nodeType="clickEffect">
+                                  <p:stCondLst>
+                                    <p:cond delay="0"/>
+                                  </p:stCondLst>
+                                  <p:childTnLst>
+                                    <p:set>
+                                      <p:cBhvr>
+                                        <p:cTn id="14" dur="1" fill="hold">
+                                          <p:stCondLst>
+                                            <p:cond delay="0"/>
+                                          </p:stCondLst>
+                                        </p:cTn>
+                                        <p:tgtEl>
+                                          <p:spTgt spid="9"/>
+                                        </p:tgtEl>
+                                        <p:attrNameLst>
+                                          <p:attrName>style.visibility</p:attrName>
+                                        </p:attrNameLst>
+                                      </p:cBhvr>
+                                      <p:to>
+                                        <p:strVal val="visible"/>
+                                      </p:to>
+                                    </p:set>
+                                  </p:childTnLst>
+                                </p:cTn>
+                              </p:par>
+                            </p:childTnLst>
+                          </p:cTn>
+                        </p:par>
+                      </p:childTnLst>
+                    </p:cTn>
+                  </p:par>
+                  <p:par>
+                    <p:cTn id="15" fill="hold">
+                      <p:stCondLst>
+                        <p:cond delay="indefinite"/>
+                      </p:stCondLst>
+                      <p:childTnLst>
+                        <p:par>
+                          <p:cTn id="16" fill="hold">
+                            <p:stCondLst>
+                              <p:cond delay="0"/>
+                            </p:stCondLst>
+                            <p:childTnLst>
+                              <p:par>
+                                <p:cTn id="17" presetID="1" presetClass="entr" presetSubtype="0" fill="hold" grpId="0" nodeType="clickEffect">
+                                  <p:stCondLst>
+                                    <p:cond delay="0"/>
+                                  </p:stCondLst>
+                                  <p:childTnLst>
+                                    <p:set>
+                                      <p:cBhvr>
+                                        <p:cTn id="18" dur="1" fill="hold">
+                                          <p:stCondLst>
+                                            <p:cond delay="0"/>
+                                          </p:stCondLst>
+                                        </p:cTn>
+                                        <p:tgtEl>
+                                          <p:spTgt spid="10"/>
+                                        </p:tgtEl>
+                                        <p:attrNameLst>
+                                          <p:attrName>style.visibility</p:attrName>
+                                        </p:attrNameLst>
+                                      </p:cBhvr>
+                                      <p:to>
+                                        <p:strVal val="visible"/>
+                                      </p:to>
+                                    </p:set>
+                                  </p:childTnLst>
+                                </p:cTn>
+                              </p:par>
+                            </p:childTnLst>
+                          </p:cTn>
+                        </p:par>
+                      </p:childTnLst>
+                    </p:cTn>
+                  </p:par>
+                  <p:par>
+                    <p:cTn id="19" fill="hold">
+                      <p:stCondLst>
+                        <p:cond delay="indefinite"/>
+                      </p:stCondLst>
+                      <p:childTnLst>
+                        <p:par>
+                          <p:cTn id="20" fill="hold">
+                            <p:stCondLst>
+                              <p:cond delay="0"/>
+                            </p:stCondLst>
+                            <p:childTnLst>
+                              <p:par>
+                                <p:cTn id="21" presetID="1" presetClass="entr" presetSubtype="0" fill="hold" grpId="0" nodeType="clickEffect">
+                                  <p:stCondLst>
+                                    <p:cond delay="0"/>
+                                  </p:stCondLst>
+                                  <p:childTnLst>
+                                    <p:set>
+                                      <p:cBhvr>
+                                        <p:cTn id="22" dur="1" fill="hold">
+                                          <p:stCondLst>
+                                            <p:cond delay="0"/>
+                                          </p:stCondLst>
+                                        </p:cTn>
+                                        <p:tgtEl>
+                                          <p:spTgt spid="11"/>
+                                        </p:tgtEl>
+                                        <p:attrNameLst>
+                                          <p:attrName>style.visibility</p:attrName>
+                                        </p:attrNameLst>
+                                      </p:cBhvr>
+                                      <p:to>
+                                        <p:strVal val="visible"/>
+                                      </p:to>
+                                    </p:set>
+                                  </p:childTnLst>
+                                </p:cTn>
+                              </p:par>
+                            </p:childTnLst>
+                          </p:cTn>
+                        </p:par>
+                      </p:childTnLst>
+                    </p:cTn>
+                  </p:par>
+                </p:childTnLst>
+              </p:cTn>
+              <p:prevCondLst>
+                <p:cond evt="onPrev" delay="0">
+                  <p:tgtEl>
+                    <p:sldTgt/>
+                  </p:tgtEl>
+                </p:cond>
+              </p:prevCondLst>
+              <p:nextCondLst>
+                <p:cond evt="onNext" delay="0">
+                  <p:tgtEl>
+                    <p:sldTgt/>
+                  </p:tgtEl>
+                </p:cond>
+              </p:nextCondLst>
+            </p:seq>
+          </p:childTnLst>
+        </p:cTn>
+      </p:par>
+    </p:tnLst>
+    <p:bldLst>
+      <p:bldP spid="7" grpId="0" animBg="1"/>
+      <p:bldP spid="8" grpId="0" animBg="1"/>
+      <p:bldP spid="9" grpId="0" animBg="1"/>
+      <p:bldP spid="10" grpId="0" animBg="1"/>
+      <p:bldP spid="11" grpId="0" animBg="1"/>
+    </p:bldLst>
+  </p:timing>
+</p:sld>
+</file>
+
+<file path=ppt/slides/slide8.xml><?xml version="1.0" encoding="utf-8"?>
+<p:sld xmlns:a="http://schemas.openxmlformats.org/drawingml/2006/main" xmlns:r="http://schemas.openxmlformats.org/officeDocument/2006/relationships" xmlns:p="http://schemas.openxmlformats.org/presentationml/2006/main">
+  <p:cSld>
+    <p:spTree>
+      <p:nvGrpSpPr>
+        <p:cNvPr id="1" name=""/>
+        <p:cNvGrpSpPr/>
+        <p:nvPr/>
+      </p:nvGrpSpPr>
+      <p:grpSpPr>
+        <a:xfrm>
+          <a:off x="0" y="0"/>
+          <a:ext cx="0" cy="0"/>
+          <a:chOff x="0" y="0"/>
+          <a:chExt cx="0" cy="0"/>
+        </a:xfrm>
+      </p:grpSpPr>
+      <p:sp>
+        <p:nvSpPr>
+          <p:cNvPr id="2" name="Slide Number Placeholder 1"/>
+          <p:cNvSpPr>
+            <a:spLocks noGrp="1"/>
+          </p:cNvSpPr>
+          <p:nvPr>
+            <p:ph type="sldNum" sz="quarter" idx="5"/>
+          </p:nvPr>
+        </p:nvSpPr>
+        <p:spPr/>
+        <p:txBody>
+          <a:bodyPr/>
+          <a:lstStyle/>
+          <a:p>
+            <a:fld id="{2BF067CD-8E6B-4360-9AA8-C5DF2A48A6D1}" type="slidenum">
+              <a:rPr lang="en-US" noProof="0" smtClean="0"/>
+              <a:pPr/>
+              <a:t>8</a:t>
+            </a:fld>
+            <a:endParaRPr lang="en-US" noProof="0" dirty="0"/>
+          </a:p>
+        </p:txBody>
+      </p:sp>
+      <p:sp>
+        <p:nvSpPr>
+          <p:cNvPr id="4" name="Title 3"/>
+          <p:cNvSpPr>
+            <a:spLocks noGrp="1"/>
+          </p:cNvSpPr>
+          <p:nvPr>
+            <p:ph type="title"/>
+          </p:nvPr>
+        </p:nvSpPr>
+        <p:spPr/>
+        <p:txBody>
+          <a:bodyPr/>
+          <a:lstStyle/>
+          <a:p>
+            <a:r>
+              <a:rPr lang="bg-BG" dirty="0" smtClean="0"/>
+              <a:t>Основни типове данни</a:t>
+            </a:r>
+            <a:endParaRPr lang="en-US" dirty="0"/>
+          </a:p>
+        </p:txBody>
+      </p:sp>
+      <p:graphicFrame>
+        <p:nvGraphicFramePr>
+          <p:cNvPr id="5" name="Table 4"/>
+          <p:cNvGraphicFramePr>
+            <a:graphicFrameLocks noGrp="1"/>
+          </p:cNvGraphicFramePr>
+          <p:nvPr>
+            <p:extLst>
+              <p:ext uri="{D42A27DB-BD31-4B8C-83A1-F6EECF244321}">
+                <p14:modId xmlns:p14="http://schemas.microsoft.com/office/powerpoint/2010/main" val="459766277"/>
+              </p:ext>
+            </p:extLst>
+          </p:nvPr>
+        </p:nvGraphicFramePr>
+        <p:xfrm>
+          <a:off x="1078500" y="1380727"/>
+          <a:ext cx="10035000" cy="5146580"/>
+        </p:xfrm>
+        <a:graphic>
+          <a:graphicData uri="http://schemas.openxmlformats.org/drawingml/2006/table">
+            <a:tbl>
+              <a:tblPr firstRow="1" bandRow="1">
+                <a:tableStyleId>{5202B0CA-FC54-4496-8BCA-5EF66A818D29}</a:tableStyleId>
+              </a:tblPr>
+              <a:tblGrid>
+                <a:gridCol w="4118870">
+                  <a:extLst>
+                    <a:ext uri="{9D8B030D-6E8A-4147-A177-3AD203B41FA5}">
+                      <a16:colId xmlns:a16="http://schemas.microsoft.com/office/drawing/2014/main" val="2008932669"/>
+                    </a:ext>
+                  </a:extLst>
+                </a:gridCol>
+                <a:gridCol w="5916130">
+                  <a:extLst>
+                    <a:ext uri="{9D8B030D-6E8A-4147-A177-3AD203B41FA5}">
+                      <a16:colId xmlns:a16="http://schemas.microsoft.com/office/drawing/2014/main" val="669753019"/>
+                    </a:ext>
+                  </a:extLst>
+                </a:gridCol>
+              </a:tblGrid>
+              <a:tr h="720000">
+                <a:tc>
+                  <a:txBody>
+                    <a:bodyPr/>
+                    <a:lstStyle/>
+                    <a:p>
+                      <a:pPr algn="ctr"/>
+                      <a:r>
+                        <a:rPr lang="bg-BG" sz="2800" dirty="0" smtClean="0">
+                          <a:solidFill>
+                            <a:schemeClr val="bg2"/>
+                          </a:solidFill>
+                        </a:rPr>
+                        <a:t>Тип</a:t>
+                      </a:r>
+                      <a:r>
+                        <a:rPr lang="bg-BG" sz="2800" baseline="0" dirty="0" smtClean="0">
+                          <a:solidFill>
+                            <a:schemeClr val="bg2"/>
+                          </a:solidFill>
+                        </a:rPr>
+                        <a:t> данни</a:t>
+                      </a:r>
+                      <a:endParaRPr lang="en-US" sz="2800" dirty="0">
+                        <a:solidFill>
+                          <a:schemeClr val="bg2"/>
+                        </a:solidFill>
+                      </a:endParaRPr>
+                    </a:p>
+                  </a:txBody>
+                  <a:tcPr anchor="ctr">
+                    <a:lnL w="12700" cap="flat" cmpd="sng" algn="ctr">
+                      <a:solidFill>
+                        <a:schemeClr val="tx1"/>
+                      </a:solidFill>
+                      <a:prstDash val="solid"/>
+                      <a:round/>
+                      <a:headEnd type="none" w="med" len="med"/>
+                      <a:tailEnd type="none" w="med" len="med"/>
+                    </a:lnL>
+                    <a:lnR w="12700" cap="flat" cmpd="sng" algn="ctr">
+                      <a:solidFill>
+                        <a:schemeClr val="tx1"/>
+                      </a:solidFill>
+                      <a:prstDash val="solid"/>
+                      <a:round/>
+                      <a:headEnd type="none" w="med" len="med"/>
+                      <a:tailEnd type="none" w="med" len="med"/>
+                    </a:lnR>
+                    <a:lnT w="12700" cap="flat" cmpd="sng" algn="ctr">
+                      <a:solidFill>
+                        <a:schemeClr val="tx1"/>
+                      </a:solidFill>
+                      <a:prstDash val="solid"/>
+                      <a:round/>
+                      <a:headEnd type="none" w="med" len="med"/>
+                      <a:tailEnd type="none" w="med" len="med"/>
+                    </a:lnT>
+                    <a:lnB w="12700" cap="flat" cmpd="sng" algn="ctr">
+                      <a:solidFill>
+                        <a:schemeClr val="tx1"/>
+                      </a:solidFill>
+                      <a:prstDash val="solid"/>
+                      <a:round/>
+                      <a:headEnd type="none" w="med" len="med"/>
+                      <a:tailEnd type="none" w="med" len="med"/>
+                    </a:lnB>
+                  </a:tcPr>
+                </a:tc>
+                <a:tc>
+                  <a:txBody>
+                    <a:bodyPr/>
+                    <a:lstStyle/>
+                    <a:p>
+                      <a:pPr algn="ctr"/>
+                      <a:r>
+                        <a:rPr lang="bg-BG" sz="2800" dirty="0" smtClean="0">
+                          <a:solidFill>
+                            <a:schemeClr val="bg2"/>
+                          </a:solidFill>
+                        </a:rPr>
+                        <a:t>Формат</a:t>
+                      </a:r>
+                      <a:endParaRPr lang="en-US" sz="2800" dirty="0">
+                        <a:solidFill>
+                          <a:schemeClr val="bg2"/>
+                        </a:solidFill>
+                      </a:endParaRPr>
+                    </a:p>
+                  </a:txBody>
+                  <a:tcPr anchor="ctr">
+                    <a:lnL w="12700" cap="flat" cmpd="sng" algn="ctr">
+                      <a:solidFill>
+                        <a:schemeClr val="tx1"/>
+                      </a:solidFill>
+                      <a:prstDash val="solid"/>
+                      <a:round/>
+                      <a:headEnd type="none" w="med" len="med"/>
+                      <a:tailEnd type="none" w="med" len="med"/>
+                    </a:lnL>
+                    <a:lnR w="12700" cap="flat" cmpd="sng" algn="ctr">
+                      <a:solidFill>
+                        <a:schemeClr val="tx1"/>
+                      </a:solidFill>
+                      <a:prstDash val="solid"/>
+                      <a:round/>
+                      <a:headEnd type="none" w="med" len="med"/>
+                      <a:tailEnd type="none" w="med" len="med"/>
+                    </a:lnR>
+                    <a:lnT w="12700" cap="flat" cmpd="sng" algn="ctr">
+                      <a:solidFill>
+                        <a:schemeClr val="tx1"/>
+                      </a:solidFill>
+                      <a:prstDash val="solid"/>
+                      <a:round/>
+                      <a:headEnd type="none" w="med" len="med"/>
+                      <a:tailEnd type="none" w="med" len="med"/>
+                    </a:lnT>
+                    <a:lnB w="12700" cap="flat" cmpd="sng" algn="ctr">
+                      <a:solidFill>
+                        <a:schemeClr val="tx1"/>
+                      </a:solidFill>
+                      <a:prstDash val="solid"/>
+                      <a:round/>
+                      <a:headEnd type="none" w="med" len="med"/>
+                      <a:tailEnd type="none" w="med" len="med"/>
+                    </a:lnB>
+                  </a:tcPr>
+                </a:tc>
+                <a:extLst>
+                  <a:ext uri="{0D108BD9-81ED-4DB2-BD59-A6C34878D82A}">
+                    <a16:rowId xmlns:a16="http://schemas.microsoft.com/office/drawing/2014/main" val="718188326"/>
+                  </a:ext>
+                </a:extLst>
+              </a:tr>
+              <a:tr h="578430">
+                <a:tc>
+                  <a:txBody>
+                    <a:bodyPr/>
+                    <a:lstStyle/>
+                    <a:p>
+                      <a:r>
+                        <a:rPr lang="en-US" b="1" dirty="0" smtClean="0"/>
+                        <a:t>General</a:t>
+                      </a:r>
+                      <a:r>
+                        <a:rPr lang="en-US" baseline="0" dirty="0" smtClean="0"/>
+                        <a:t> (</a:t>
+                      </a:r>
+                      <a:r>
+                        <a:rPr lang="bg-BG" baseline="0" dirty="0" smtClean="0"/>
+                        <a:t>Общ</a:t>
+                      </a:r>
+                      <a:r>
+                        <a:rPr lang="en-US" baseline="0" dirty="0" smtClean="0"/>
+                        <a:t>)</a:t>
+                      </a:r>
+                      <a:endParaRPr lang="en-US" dirty="0"/>
+                    </a:p>
+                  </a:txBody>
+                  <a:tcPr anchor="ctr">
+                    <a:lnL w="12700" cap="flat" cmpd="sng" algn="ctr">
+                      <a:solidFill>
+                        <a:schemeClr val="tx1"/>
+                      </a:solidFill>
+                      <a:prstDash val="solid"/>
+                      <a:round/>
+                      <a:headEnd type="none" w="med" len="med"/>
+                      <a:tailEnd type="none" w="med" len="med"/>
+                    </a:lnL>
+                    <a:lnR w="12700" cap="flat" cmpd="sng" algn="ctr">
+                      <a:solidFill>
+                        <a:schemeClr val="tx1"/>
+                      </a:solidFill>
+                      <a:prstDash val="solid"/>
+                      <a:round/>
+                      <a:headEnd type="none" w="med" len="med"/>
+                      <a:tailEnd type="none" w="med" len="med"/>
+                    </a:lnR>
+                    <a:lnT w="12700" cap="flat" cmpd="sng" algn="ctr">
+                      <a:solidFill>
+                        <a:schemeClr val="tx1"/>
+                      </a:solidFill>
+                      <a:prstDash val="solid"/>
+                      <a:round/>
+                      <a:headEnd type="none" w="med" len="med"/>
+                      <a:tailEnd type="none" w="med" len="med"/>
+                    </a:lnT>
+                    <a:lnB w="12700" cap="flat" cmpd="sng" algn="ctr">
+                      <a:solidFill>
+                        <a:schemeClr val="tx1"/>
+                      </a:solidFill>
+                      <a:prstDash val="solid"/>
+                      <a:round/>
+                      <a:headEnd type="none" w="med" len="med"/>
+                      <a:tailEnd type="none" w="med" len="med"/>
+                    </a:lnB>
+                  </a:tcPr>
+                </a:tc>
+                <a:tc>
+                  <a:txBody>
+                    <a:bodyPr/>
+                    <a:lstStyle/>
+                    <a:p>
+                      <a:r>
+                        <a:rPr lang="bg-BG" dirty="0" smtClean="0"/>
+                        <a:t>Показва данните така, както ги</a:t>
+                      </a:r>
+                      <a:r>
+                        <a:rPr lang="bg-BG" baseline="0" dirty="0" smtClean="0"/>
+                        <a:t> въвеждате</a:t>
+                      </a:r>
+                      <a:endParaRPr lang="en-US" dirty="0"/>
+                    </a:p>
+                  </a:txBody>
+                  <a:tcPr anchor="ctr">
+                    <a:lnL w="12700" cap="flat" cmpd="sng" algn="ctr">
+                      <a:solidFill>
+                        <a:schemeClr val="tx1"/>
+                      </a:solidFill>
+                      <a:prstDash val="solid"/>
+                      <a:round/>
+                      <a:headEnd type="none" w="med" len="med"/>
+                      <a:tailEnd type="none" w="med" len="med"/>
+                    </a:lnL>
+                    <a:lnR w="12700" cap="flat" cmpd="sng" algn="ctr">
+                      <a:solidFill>
+                        <a:schemeClr val="tx1"/>
+                      </a:solidFill>
+                      <a:prstDash val="solid"/>
+                      <a:round/>
+                      <a:headEnd type="none" w="med" len="med"/>
+                      <a:tailEnd type="none" w="med" len="med"/>
+                    </a:lnR>
+                    <a:lnT w="12700" cap="flat" cmpd="sng" algn="ctr">
+                      <a:solidFill>
+                        <a:schemeClr val="tx1"/>
+                      </a:solidFill>
+                      <a:prstDash val="solid"/>
+                      <a:round/>
+                      <a:headEnd type="none" w="med" len="med"/>
+                      <a:tailEnd type="none" w="med" len="med"/>
+                    </a:lnT>
+                    <a:lnB w="12700" cap="flat" cmpd="sng" algn="ctr">
+                      <a:solidFill>
+                        <a:schemeClr val="tx1"/>
+                      </a:solidFill>
+                      <a:prstDash val="solid"/>
+                      <a:round/>
+                      <a:headEnd type="none" w="med" len="med"/>
+                      <a:tailEnd type="none" w="med" len="med"/>
+                    </a:lnB>
+                  </a:tcPr>
+                </a:tc>
+                <a:extLst>
+                  <a:ext uri="{0D108BD9-81ED-4DB2-BD59-A6C34878D82A}">
+                    <a16:rowId xmlns:a16="http://schemas.microsoft.com/office/drawing/2014/main" val="711917285"/>
+                  </a:ext>
+                </a:extLst>
+              </a:tr>
+              <a:tr h="638873">
+                <a:tc>
+                  <a:txBody>
+                    <a:bodyPr/>
+                    <a:lstStyle/>
+                    <a:p>
+                      <a:r>
+                        <a:rPr lang="en-US" b="1" dirty="0" smtClean="0"/>
+                        <a:t>Number</a:t>
+                      </a:r>
+                      <a:r>
+                        <a:rPr lang="bg-BG" dirty="0" smtClean="0"/>
+                        <a:t> (Число)</a:t>
+                      </a:r>
+                      <a:endParaRPr lang="en-US" dirty="0"/>
+                    </a:p>
+                  </a:txBody>
+                  <a:tcPr anchor="ctr">
+                    <a:lnL w="12700" cap="flat" cmpd="sng" algn="ctr">
+                      <a:solidFill>
+                        <a:schemeClr val="tx1"/>
+                      </a:solidFill>
+                      <a:prstDash val="solid"/>
+                      <a:round/>
+                      <a:headEnd type="none" w="med" len="med"/>
+                      <a:tailEnd type="none" w="med" len="med"/>
+                    </a:lnL>
+                    <a:lnR w="12700" cap="flat" cmpd="sng" algn="ctr">
+                      <a:solidFill>
+                        <a:schemeClr val="tx1"/>
+                      </a:solidFill>
+                      <a:prstDash val="solid"/>
+                      <a:round/>
+                      <a:headEnd type="none" w="med" len="med"/>
+                      <a:tailEnd type="none" w="med" len="med"/>
+                    </a:lnR>
+                    <a:lnT w="12700" cap="flat" cmpd="sng" algn="ctr">
+                      <a:solidFill>
+                        <a:schemeClr val="tx1"/>
+                      </a:solidFill>
+                      <a:prstDash val="solid"/>
+                      <a:round/>
+                      <a:headEnd type="none" w="med" len="med"/>
+                      <a:tailEnd type="none" w="med" len="med"/>
+                    </a:lnT>
+                    <a:lnB w="12700" cap="flat" cmpd="sng" algn="ctr">
+                      <a:solidFill>
+                        <a:schemeClr val="tx1"/>
+                      </a:solidFill>
+                      <a:prstDash val="solid"/>
+                      <a:round/>
+                      <a:headEnd type="none" w="med" len="med"/>
+                      <a:tailEnd type="none" w="med" len="med"/>
+                    </a:lnB>
+                  </a:tcPr>
+                </a:tc>
+                <a:tc>
+                  <a:txBody>
+                    <a:bodyPr/>
+                    <a:lstStyle/>
+                    <a:p>
+                      <a:r>
+                        <a:rPr lang="bg-BG" dirty="0" smtClean="0"/>
+                        <a:t>Числов</a:t>
+                      </a:r>
+                      <a:r>
+                        <a:rPr lang="bg-BG" baseline="0" dirty="0" smtClean="0"/>
+                        <a:t> формат</a:t>
+                      </a:r>
+                      <a:endParaRPr lang="en-US" dirty="0"/>
+                    </a:p>
+                  </a:txBody>
+                  <a:tcPr anchor="ctr">
+                    <a:lnL w="12700" cap="flat" cmpd="sng" algn="ctr">
+                      <a:solidFill>
+                        <a:schemeClr val="tx1"/>
+                      </a:solidFill>
+                      <a:prstDash val="solid"/>
+                      <a:round/>
+                      <a:headEnd type="none" w="med" len="med"/>
+                      <a:tailEnd type="none" w="med" len="med"/>
+                    </a:lnL>
+                    <a:lnR w="12700" cap="flat" cmpd="sng" algn="ctr">
+                      <a:solidFill>
+                        <a:schemeClr val="tx1"/>
+                      </a:solidFill>
+                      <a:prstDash val="solid"/>
+                      <a:round/>
+                      <a:headEnd type="none" w="med" len="med"/>
+                      <a:tailEnd type="none" w="med" len="med"/>
+                    </a:lnR>
+                    <a:lnT w="12700" cap="flat" cmpd="sng" algn="ctr">
+                      <a:solidFill>
+                        <a:schemeClr val="tx1"/>
+                      </a:solidFill>
+                      <a:prstDash val="solid"/>
+                      <a:round/>
+                      <a:headEnd type="none" w="med" len="med"/>
+                      <a:tailEnd type="none" w="med" len="med"/>
+                    </a:lnT>
+                    <a:lnB w="12700" cap="flat" cmpd="sng" algn="ctr">
+                      <a:solidFill>
+                        <a:schemeClr val="tx1"/>
+                      </a:solidFill>
+                      <a:prstDash val="solid"/>
+                      <a:round/>
+                      <a:headEnd type="none" w="med" len="med"/>
+                      <a:tailEnd type="none" w="med" len="med"/>
+                    </a:lnB>
+                  </a:tcPr>
+                </a:tc>
+                <a:extLst>
+                  <a:ext uri="{0D108BD9-81ED-4DB2-BD59-A6C34878D82A}">
+                    <a16:rowId xmlns:a16="http://schemas.microsoft.com/office/drawing/2014/main" val="3243148460"/>
+                  </a:ext>
+                </a:extLst>
+              </a:tr>
+              <a:tr h="598944">
+                <a:tc>
+                  <a:txBody>
+                    <a:bodyPr/>
+                    <a:lstStyle/>
+                    <a:p>
+                      <a:r>
+                        <a:rPr lang="en-US" b="1" dirty="0" smtClean="0"/>
+                        <a:t>Currency</a:t>
+                      </a:r>
+                      <a:r>
+                        <a:rPr lang="bg-BG" dirty="0" smtClean="0"/>
+                        <a:t> (Валута)</a:t>
+                      </a:r>
+                      <a:endParaRPr lang="en-US" dirty="0"/>
+                    </a:p>
+                  </a:txBody>
+                  <a:tcPr anchor="ctr">
+                    <a:lnL w="12700" cap="flat" cmpd="sng" algn="ctr">
+                      <a:solidFill>
+                        <a:schemeClr val="tx1"/>
+                      </a:solidFill>
+                      <a:prstDash val="solid"/>
+                      <a:round/>
+                      <a:headEnd type="none" w="med" len="med"/>
+                      <a:tailEnd type="none" w="med" len="med"/>
+                    </a:lnL>
+                    <a:lnR w="12700" cap="flat" cmpd="sng" algn="ctr">
+                      <a:solidFill>
+                        <a:schemeClr val="tx1"/>
+                      </a:solidFill>
+                      <a:prstDash val="solid"/>
+                      <a:round/>
+                      <a:headEnd type="none" w="med" len="med"/>
+                      <a:tailEnd type="none" w="med" len="med"/>
+                    </a:lnR>
+                    <a:lnT w="12700" cap="flat" cmpd="sng" algn="ctr">
+                      <a:solidFill>
+                        <a:schemeClr val="tx1"/>
+                      </a:solidFill>
+                      <a:prstDash val="solid"/>
+                      <a:round/>
+                      <a:headEnd type="none" w="med" len="med"/>
+                      <a:tailEnd type="none" w="med" len="med"/>
+                    </a:lnT>
+                    <a:lnB w="12700" cap="flat" cmpd="sng" algn="ctr">
+                      <a:solidFill>
+                        <a:schemeClr val="tx1"/>
+                      </a:solidFill>
+                      <a:prstDash val="solid"/>
+                      <a:round/>
+                      <a:headEnd type="none" w="med" len="med"/>
+                      <a:tailEnd type="none" w="med" len="med"/>
+                    </a:lnB>
+                  </a:tcPr>
+                </a:tc>
+                <a:tc>
+                  <a:txBody>
+                    <a:bodyPr/>
+                    <a:lstStyle/>
+                    <a:p>
+                      <a:r>
+                        <a:rPr lang="bg-BG" dirty="0" smtClean="0"/>
+                        <a:t>Показва знак за валута след числотово</a:t>
+                      </a:r>
+                      <a:endParaRPr lang="en-US" dirty="0"/>
+                    </a:p>
+                  </a:txBody>
+                  <a:tcPr anchor="ctr">
+                    <a:lnL w="12700" cap="flat" cmpd="sng" algn="ctr">
+                      <a:solidFill>
+                        <a:schemeClr val="tx1"/>
+                      </a:solidFill>
+                      <a:prstDash val="solid"/>
+                      <a:round/>
+                      <a:headEnd type="none" w="med" len="med"/>
+                      <a:tailEnd type="none" w="med" len="med"/>
+                    </a:lnL>
+                    <a:lnR w="12700" cap="flat" cmpd="sng" algn="ctr">
+                      <a:solidFill>
+                        <a:schemeClr val="tx1"/>
+                      </a:solidFill>
+                      <a:prstDash val="solid"/>
+                      <a:round/>
+                      <a:headEnd type="none" w="med" len="med"/>
+                      <a:tailEnd type="none" w="med" len="med"/>
+                    </a:lnR>
+                    <a:lnT w="12700" cap="flat" cmpd="sng" algn="ctr">
+                      <a:solidFill>
+                        <a:schemeClr val="tx1"/>
+                      </a:solidFill>
+                      <a:prstDash val="solid"/>
+                      <a:round/>
+                      <a:headEnd type="none" w="med" len="med"/>
+                      <a:tailEnd type="none" w="med" len="med"/>
+                    </a:lnT>
+                    <a:lnB w="12700" cap="flat" cmpd="sng" algn="ctr">
+                      <a:solidFill>
+                        <a:schemeClr val="tx1"/>
+                      </a:solidFill>
+                      <a:prstDash val="solid"/>
+                      <a:round/>
+                      <a:headEnd type="none" w="med" len="med"/>
+                      <a:tailEnd type="none" w="med" len="med"/>
+                    </a:lnB>
+                  </a:tcPr>
+                </a:tc>
+                <a:extLst>
+                  <a:ext uri="{0D108BD9-81ED-4DB2-BD59-A6C34878D82A}">
+                    <a16:rowId xmlns:a16="http://schemas.microsoft.com/office/drawing/2014/main" val="916124410"/>
+                  </a:ext>
+                </a:extLst>
+              </a:tr>
+              <a:tr h="559014">
+                <a:tc>
+                  <a:txBody>
+                    <a:bodyPr/>
+                    <a:lstStyle/>
+                    <a:p>
+                      <a:r>
+                        <a:rPr lang="en-US" b="1" dirty="0" smtClean="0"/>
+                        <a:t>Text</a:t>
+                      </a:r>
+                      <a:r>
+                        <a:rPr lang="bg-BG" dirty="0" smtClean="0"/>
+                        <a:t> (Текст)</a:t>
+                      </a:r>
+                      <a:endParaRPr lang="en-US" dirty="0" smtClean="0"/>
+                    </a:p>
+                  </a:txBody>
+                  <a:tcPr anchor="ctr">
+                    <a:lnL w="12700" cap="flat" cmpd="sng" algn="ctr">
+                      <a:solidFill>
+                        <a:schemeClr val="tx1"/>
+                      </a:solidFill>
+                      <a:prstDash val="solid"/>
+                      <a:round/>
+                      <a:headEnd type="none" w="med" len="med"/>
+                      <a:tailEnd type="none" w="med" len="med"/>
+                    </a:lnL>
+                    <a:lnR w="12700" cap="flat" cmpd="sng" algn="ctr">
+                      <a:solidFill>
+                        <a:schemeClr val="tx1"/>
+                      </a:solidFill>
+                      <a:prstDash val="solid"/>
+                      <a:round/>
+                      <a:headEnd type="none" w="med" len="med"/>
+                      <a:tailEnd type="none" w="med" len="med"/>
+                    </a:lnR>
+                    <a:lnT w="12700" cap="flat" cmpd="sng" algn="ctr">
+                      <a:solidFill>
+                        <a:schemeClr val="tx1"/>
+                      </a:solidFill>
+                      <a:prstDash val="solid"/>
+                      <a:round/>
+                      <a:headEnd type="none" w="med" len="med"/>
+                      <a:tailEnd type="none" w="med" len="med"/>
+                    </a:lnT>
+                    <a:lnB w="12700" cap="flat" cmpd="sng" algn="ctr">
+                      <a:solidFill>
+                        <a:schemeClr val="tx1"/>
+                      </a:solidFill>
+                      <a:prstDash val="solid"/>
+                      <a:round/>
+                      <a:headEnd type="none" w="med" len="med"/>
+                      <a:tailEnd type="none" w="med" len="med"/>
+                    </a:lnB>
+                  </a:tcPr>
+                </a:tc>
+                <a:tc>
+                  <a:txBody>
+                    <a:bodyPr/>
+                    <a:lstStyle/>
+                    <a:p>
+                      <a:r>
+                        <a:rPr lang="bg-BG" dirty="0" smtClean="0"/>
+                        <a:t>Текстов формат</a:t>
+                      </a:r>
+                      <a:endParaRPr lang="en-US" dirty="0"/>
+                    </a:p>
+                  </a:txBody>
+                  <a:tcPr anchor="ctr">
+                    <a:lnL w="12700" cap="flat" cmpd="sng" algn="ctr">
+                      <a:solidFill>
+                        <a:schemeClr val="tx1"/>
+                      </a:solidFill>
+                      <a:prstDash val="solid"/>
+                      <a:round/>
+                      <a:headEnd type="none" w="med" len="med"/>
+                      <a:tailEnd type="none" w="med" len="med"/>
+                    </a:lnL>
+                    <a:lnR w="12700" cap="flat" cmpd="sng" algn="ctr">
+                      <a:solidFill>
+                        <a:schemeClr val="tx1"/>
+                      </a:solidFill>
+                      <a:prstDash val="solid"/>
+                      <a:round/>
+                      <a:headEnd type="none" w="med" len="med"/>
+                      <a:tailEnd type="none" w="med" len="med"/>
+                    </a:lnR>
+                    <a:lnT w="12700" cap="flat" cmpd="sng" algn="ctr">
+                      <a:solidFill>
+                        <a:schemeClr val="tx1"/>
+                      </a:solidFill>
+                      <a:prstDash val="solid"/>
+                      <a:round/>
+                      <a:headEnd type="none" w="med" len="med"/>
+                      <a:tailEnd type="none" w="med" len="med"/>
+                    </a:lnT>
+                    <a:lnB w="12700" cap="flat" cmpd="sng" algn="ctr">
+                      <a:solidFill>
+                        <a:schemeClr val="tx1"/>
+                      </a:solidFill>
+                      <a:prstDash val="solid"/>
+                      <a:round/>
+                      <a:headEnd type="none" w="med" len="med"/>
+                      <a:tailEnd type="none" w="med" len="med"/>
+                    </a:lnB>
+                  </a:tcPr>
+                </a:tc>
+                <a:extLst>
+                  <a:ext uri="{0D108BD9-81ED-4DB2-BD59-A6C34878D82A}">
+                    <a16:rowId xmlns:a16="http://schemas.microsoft.com/office/drawing/2014/main" val="3761465411"/>
+                  </a:ext>
+                </a:extLst>
+              </a:tr>
+              <a:tr h="559014">
+                <a:tc>
+                  <a:txBody>
+                    <a:bodyPr/>
+                    <a:lstStyle/>
+                    <a:p>
+                      <a:r>
+                        <a:rPr lang="en-US" b="1" dirty="0" smtClean="0"/>
+                        <a:t>Date</a:t>
+                      </a:r>
+                      <a:r>
+                        <a:rPr lang="bg-BG" dirty="0" smtClean="0"/>
+                        <a:t> (Дата)</a:t>
+                      </a:r>
+                      <a:endParaRPr lang="en-US" dirty="0"/>
+                    </a:p>
+                  </a:txBody>
+                  <a:tcPr anchor="ctr">
+                    <a:lnL w="12700" cap="flat" cmpd="sng" algn="ctr">
+                      <a:solidFill>
+                        <a:schemeClr val="tx1"/>
+                      </a:solidFill>
+                      <a:prstDash val="solid"/>
+                      <a:round/>
+                      <a:headEnd type="none" w="med" len="med"/>
+                      <a:tailEnd type="none" w="med" len="med"/>
+                    </a:lnL>
+                    <a:lnR w="12700" cap="flat" cmpd="sng" algn="ctr">
+                      <a:solidFill>
+                        <a:schemeClr val="tx1"/>
+                      </a:solidFill>
+                      <a:prstDash val="solid"/>
+                      <a:round/>
+                      <a:headEnd type="none" w="med" len="med"/>
+                      <a:tailEnd type="none" w="med" len="med"/>
+                    </a:lnR>
+                    <a:lnT w="12700" cap="flat" cmpd="sng" algn="ctr">
+                      <a:solidFill>
+                        <a:schemeClr val="tx1"/>
+                      </a:solidFill>
+                      <a:prstDash val="solid"/>
+                      <a:round/>
+                      <a:headEnd type="none" w="med" len="med"/>
+                      <a:tailEnd type="none" w="med" len="med"/>
+                    </a:lnT>
+                    <a:lnB w="12700" cap="flat" cmpd="sng" algn="ctr">
+                      <a:solidFill>
+                        <a:schemeClr val="tx1"/>
+                      </a:solidFill>
+                      <a:prstDash val="solid"/>
+                      <a:round/>
+                      <a:headEnd type="none" w="med" len="med"/>
+                      <a:tailEnd type="none" w="med" len="med"/>
+                    </a:lnB>
+                  </a:tcPr>
+                </a:tc>
+                <a:tc>
+                  <a:txBody>
+                    <a:bodyPr/>
+                    <a:lstStyle/>
+                    <a:p>
+                      <a:r>
+                        <a:rPr lang="bg-BG" dirty="0" smtClean="0"/>
+                        <a:t>Формат за ден,</a:t>
+                      </a:r>
+                      <a:r>
+                        <a:rPr lang="bg-BG" baseline="0" dirty="0" smtClean="0"/>
+                        <a:t> месец и година</a:t>
+                      </a:r>
+                      <a:endParaRPr lang="en-US" dirty="0"/>
+                    </a:p>
+                  </a:txBody>
+                  <a:tcPr anchor="ctr">
+                    <a:lnL w="12700" cap="flat" cmpd="sng" algn="ctr">
+                      <a:solidFill>
+                        <a:schemeClr val="tx1"/>
+                      </a:solidFill>
+                      <a:prstDash val="solid"/>
+                      <a:round/>
+                      <a:headEnd type="none" w="med" len="med"/>
+                      <a:tailEnd type="none" w="med" len="med"/>
+                    </a:lnL>
+                    <a:lnR w="12700" cap="flat" cmpd="sng" algn="ctr">
+                      <a:solidFill>
+                        <a:schemeClr val="tx1"/>
+                      </a:solidFill>
+                      <a:prstDash val="solid"/>
+                      <a:round/>
+                      <a:headEnd type="none" w="med" len="med"/>
+                      <a:tailEnd type="none" w="med" len="med"/>
+                    </a:lnR>
+                    <a:lnT w="12700" cap="flat" cmpd="sng" algn="ctr">
+                      <a:solidFill>
+                        <a:schemeClr val="tx1"/>
+                      </a:solidFill>
+                      <a:prstDash val="solid"/>
+                      <a:round/>
+                      <a:headEnd type="none" w="med" len="med"/>
+                      <a:tailEnd type="none" w="med" len="med"/>
+                    </a:lnT>
+                    <a:lnB w="12700" cap="flat" cmpd="sng" algn="ctr">
+                      <a:solidFill>
+                        <a:schemeClr val="tx1"/>
+                      </a:solidFill>
+                      <a:prstDash val="solid"/>
+                      <a:round/>
+                      <a:headEnd type="none" w="med" len="med"/>
+                      <a:tailEnd type="none" w="med" len="med"/>
+                    </a:lnB>
+                  </a:tcPr>
+                </a:tc>
+                <a:extLst>
+                  <a:ext uri="{0D108BD9-81ED-4DB2-BD59-A6C34878D82A}">
+                    <a16:rowId xmlns:a16="http://schemas.microsoft.com/office/drawing/2014/main" val="1470946026"/>
+                  </a:ext>
+                </a:extLst>
+              </a:tr>
+              <a:tr h="819106">
+                <a:tc>
+                  <a:txBody>
+                    <a:bodyPr/>
+                    <a:lstStyle/>
+                    <a:p>
+                      <a:r>
+                        <a:rPr lang="en-US" b="1" dirty="0" smtClean="0"/>
+                        <a:t>Time</a:t>
+                      </a:r>
+                      <a:r>
+                        <a:rPr lang="bg-BG" dirty="0" smtClean="0"/>
+                        <a:t> (Час)</a:t>
+                      </a:r>
+                      <a:endParaRPr lang="en-US" dirty="0"/>
+                    </a:p>
+                  </a:txBody>
+                  <a:tcPr anchor="ctr">
+                    <a:lnL w="12700" cap="flat" cmpd="sng" algn="ctr">
+                      <a:solidFill>
+                        <a:schemeClr val="tx1"/>
+                      </a:solidFill>
+                      <a:prstDash val="solid"/>
+                      <a:round/>
+                      <a:headEnd type="none" w="med" len="med"/>
+                      <a:tailEnd type="none" w="med" len="med"/>
+                    </a:lnL>
+                    <a:lnR w="12700" cap="flat" cmpd="sng" algn="ctr">
+                      <a:solidFill>
+                        <a:schemeClr val="tx1"/>
+                      </a:solidFill>
+                      <a:prstDash val="solid"/>
+                      <a:round/>
+                      <a:headEnd type="none" w="med" len="med"/>
+                      <a:tailEnd type="none" w="med" len="med"/>
+                    </a:lnR>
+                    <a:lnT w="12700" cap="flat" cmpd="sng" algn="ctr">
+                      <a:solidFill>
+                        <a:schemeClr val="tx1"/>
+                      </a:solidFill>
+                      <a:prstDash val="solid"/>
+                      <a:round/>
+                      <a:headEnd type="none" w="med" len="med"/>
+                      <a:tailEnd type="none" w="med" len="med"/>
+                    </a:lnT>
+                    <a:lnB w="12700" cap="flat" cmpd="sng" algn="ctr">
+                      <a:solidFill>
+                        <a:schemeClr val="tx1"/>
+                      </a:solidFill>
+                      <a:prstDash val="solid"/>
+                      <a:round/>
+                      <a:headEnd type="none" w="med" len="med"/>
+                      <a:tailEnd type="none" w="med" len="med"/>
+                    </a:lnB>
+                  </a:tcPr>
+                </a:tc>
+                <a:tc>
+                  <a:txBody>
+                    <a:bodyPr/>
+                    <a:lstStyle/>
+                    <a:p>
+                      <a:r>
+                        <a:rPr lang="bg-BG" dirty="0" smtClean="0"/>
+                        <a:t>Формат за час</a:t>
+                      </a:r>
+                      <a:r>
+                        <a:rPr lang="bg-BG" baseline="0" dirty="0" smtClean="0"/>
+                        <a:t>, минута и секунда</a:t>
+                      </a:r>
+                      <a:endParaRPr lang="en-US" dirty="0"/>
+                    </a:p>
+                  </a:txBody>
+                  <a:tcPr anchor="ctr">
+                    <a:lnL w="12700" cap="flat" cmpd="sng" algn="ctr">
+                      <a:solidFill>
+                        <a:schemeClr val="tx1"/>
+                      </a:solidFill>
+                      <a:prstDash val="solid"/>
+                      <a:round/>
+                      <a:headEnd type="none" w="med" len="med"/>
+                      <a:tailEnd type="none" w="med" len="med"/>
+                    </a:lnL>
+                    <a:lnR w="12700" cap="flat" cmpd="sng" algn="ctr">
+                      <a:solidFill>
+                        <a:schemeClr val="tx1"/>
+                      </a:solidFill>
+                      <a:prstDash val="solid"/>
+                      <a:round/>
+                      <a:headEnd type="none" w="med" len="med"/>
+                      <a:tailEnd type="none" w="med" len="med"/>
+                    </a:lnR>
+                    <a:lnT w="12700" cap="flat" cmpd="sng" algn="ctr">
+                      <a:solidFill>
+                        <a:schemeClr val="tx1"/>
+                      </a:solidFill>
+                      <a:prstDash val="solid"/>
+                      <a:round/>
+                      <a:headEnd type="none" w="med" len="med"/>
+                      <a:tailEnd type="none" w="med" len="med"/>
+                    </a:lnT>
+                    <a:lnB w="12700" cap="flat" cmpd="sng" algn="ctr">
+                      <a:solidFill>
+                        <a:schemeClr val="tx1"/>
+                      </a:solidFill>
+                      <a:prstDash val="solid"/>
+                      <a:round/>
+                      <a:headEnd type="none" w="med" len="med"/>
+                      <a:tailEnd type="none" w="med" len="med"/>
+                    </a:lnB>
+                  </a:tcPr>
+                </a:tc>
+                <a:extLst>
+                  <a:ext uri="{0D108BD9-81ED-4DB2-BD59-A6C34878D82A}">
+                    <a16:rowId xmlns:a16="http://schemas.microsoft.com/office/drawing/2014/main" val="2256462924"/>
+                  </a:ext>
+                </a:extLst>
+              </a:tr>
+              <a:tr h="673199">
+                <a:tc>
+                  <a:txBody>
+                    <a:bodyPr/>
+                    <a:lstStyle/>
+                    <a:p>
+                      <a:r>
+                        <a:rPr lang="en-US" b="1" dirty="0" smtClean="0"/>
+                        <a:t>Percentage</a:t>
+                      </a:r>
+                      <a:r>
+                        <a:rPr lang="en-US" dirty="0" smtClean="0"/>
+                        <a:t> </a:t>
+                      </a:r>
+                      <a:r>
+                        <a:rPr lang="bg-BG" dirty="0" smtClean="0"/>
+                        <a:t>(Процент)</a:t>
+                      </a:r>
+                      <a:endParaRPr lang="en-US" dirty="0"/>
+                    </a:p>
+                  </a:txBody>
+                  <a:tcPr anchor="ctr">
+                    <a:lnL w="12700" cap="flat" cmpd="sng" algn="ctr">
+                      <a:solidFill>
+                        <a:schemeClr val="tx1"/>
+                      </a:solidFill>
+                      <a:prstDash val="solid"/>
+                      <a:round/>
+                      <a:headEnd type="none" w="med" len="med"/>
+                      <a:tailEnd type="none" w="med" len="med"/>
+                    </a:lnL>
+                    <a:lnR w="12700" cap="flat" cmpd="sng" algn="ctr">
+                      <a:solidFill>
+                        <a:schemeClr val="tx1"/>
+                      </a:solidFill>
+                      <a:prstDash val="solid"/>
+                      <a:round/>
+                      <a:headEnd type="none" w="med" len="med"/>
+                      <a:tailEnd type="none" w="med" len="med"/>
+                    </a:lnR>
+                    <a:lnT w="12700" cap="flat" cmpd="sng" algn="ctr">
+                      <a:solidFill>
+                        <a:schemeClr val="tx1"/>
+                      </a:solidFill>
+                      <a:prstDash val="solid"/>
+                      <a:round/>
+                      <a:headEnd type="none" w="med" len="med"/>
+                      <a:tailEnd type="none" w="med" len="med"/>
+                    </a:lnT>
+                    <a:lnB w="12700" cap="flat" cmpd="sng" algn="ctr">
+                      <a:solidFill>
+                        <a:schemeClr val="tx1"/>
+                      </a:solidFill>
+                      <a:prstDash val="solid"/>
+                      <a:round/>
+                      <a:headEnd type="none" w="med" len="med"/>
+                      <a:tailEnd type="none" w="med" len="med"/>
+                    </a:lnB>
+                  </a:tcPr>
+                </a:tc>
+                <a:tc>
+                  <a:txBody>
+                    <a:bodyPr/>
+                    <a:lstStyle/>
+                    <a:p>
+                      <a:r>
+                        <a:rPr lang="bg-BG" dirty="0" smtClean="0"/>
+                        <a:t>Превръща числото</a:t>
+                      </a:r>
+                      <a:r>
+                        <a:rPr lang="bg-BG" baseline="0" dirty="0" smtClean="0"/>
+                        <a:t> в проценти</a:t>
+                      </a:r>
+                      <a:endParaRPr lang="en-US" dirty="0"/>
+                    </a:p>
+                  </a:txBody>
+                  <a:tcPr anchor="ctr">
+                    <a:lnL w="12700" cap="flat" cmpd="sng" algn="ctr">
+                      <a:solidFill>
+                        <a:schemeClr val="tx1"/>
+                      </a:solidFill>
+                      <a:prstDash val="solid"/>
+                      <a:round/>
+                      <a:headEnd type="none" w="med" len="med"/>
+                      <a:tailEnd type="none" w="med" len="med"/>
+                    </a:lnL>
+                    <a:lnR w="12700" cap="flat" cmpd="sng" algn="ctr">
+                      <a:solidFill>
+                        <a:schemeClr val="tx1"/>
+                      </a:solidFill>
+                      <a:prstDash val="solid"/>
+                      <a:round/>
+                      <a:headEnd type="none" w="med" len="med"/>
+                      <a:tailEnd type="none" w="med" len="med"/>
+                    </a:lnR>
+                    <a:lnT w="12700" cap="flat" cmpd="sng" algn="ctr">
+                      <a:solidFill>
+                        <a:schemeClr val="tx1"/>
+                      </a:solidFill>
+                      <a:prstDash val="solid"/>
+                      <a:round/>
+                      <a:headEnd type="none" w="med" len="med"/>
+                      <a:tailEnd type="none" w="med" len="med"/>
+                    </a:lnT>
+                    <a:lnB w="12700" cap="flat" cmpd="sng" algn="ctr">
+                      <a:solidFill>
+                        <a:schemeClr val="tx1"/>
+                      </a:solidFill>
+                      <a:prstDash val="solid"/>
+                      <a:round/>
+                      <a:headEnd type="none" w="med" len="med"/>
+                      <a:tailEnd type="none" w="med" len="med"/>
+                    </a:lnB>
+                  </a:tcPr>
+                </a:tc>
+                <a:extLst>
+                  <a:ext uri="{0D108BD9-81ED-4DB2-BD59-A6C34878D82A}">
+                    <a16:rowId xmlns:a16="http://schemas.microsoft.com/office/drawing/2014/main" val="3503683852"/>
+                  </a:ext>
+                </a:extLst>
+              </a:tr>
+            </a:tbl>
+          </a:graphicData>
+        </a:graphic>
+      </p:graphicFrame>
+    </p:spTree>
+    <p:extLst>
+      <p:ext uri="{BB962C8B-B14F-4D97-AF65-F5344CB8AC3E}">
+        <p14:creationId xmlns:p14="http://schemas.microsoft.com/office/powerpoint/2010/main" val="3657325613"/>
+      </p:ext>
+    </p:extLst>
+  </p:cSld>
+  <p:clrMapOvr>
+    <a:masterClrMapping/>
+  </p:clrMapOvr>
+  <mc:AlternateContent xmlns:mc="http://schemas.openxmlformats.org/markup-compatibility/2006" xmlns:p14="http://schemas.microsoft.com/office/powerpoint/2010/main">
+    <mc:Choice Requires="p14">
+      <p:transition spd="slow" p14:dur="2000" advClick="0" advTm="5000"/>
+    </mc:Choice>
+    <mc:Fallback xmlns="">
+      <p:transition spd="slow" advClick="0" advTm="5000"/>
+    </mc:Fallback>
+  </mc:AlternateContent>
+  <p:timing>
+    <p:tnLst>
+      <p:par>
+        <p:cTn id="1" dur="indefinite" restart="never" nodeType="tmRoot"/>
+      </p:par>
+    </p:tnLst>
+  </p:timing>
+</p:sld>
+</file>
+
+<file path=ppt/slides/slide9.xml><?xml version="1.0" encoding="utf-8"?>
+<p:sld xmlns:a="http://schemas.openxmlformats.org/drawingml/2006/main" xmlns:r="http://schemas.openxmlformats.org/officeDocument/2006/relationships" xmlns:p="http://schemas.openxmlformats.org/presentationml/2006/main">
+  <p:cSld>
+    <p:spTree>
+      <p:nvGrpSpPr>
+        <p:cNvPr id="1" name=""/>
+        <p:cNvGrpSpPr/>
+        <p:nvPr/>
+      </p:nvGrpSpPr>
+      <p:grpSpPr>
+        <a:xfrm>
+          <a:off x="0" y="0"/>
+          <a:ext cx="0" cy="0"/>
+          <a:chOff x="0" y="0"/>
+          <a:chExt cx="0" cy="0"/>
+        </a:xfrm>
+      </p:grpSpPr>
+      <p:sp>
+        <p:nvSpPr>
           <p:cNvPr id="14" name="Text Placeholder 4">
             <a:extLst>
               <a:ext uri="{FF2B5EF4-FFF2-40B4-BE49-F238E27FC236}">
@@ -12030,7 +14431,7 @@
             <a:fld id="{C014DD1E-5D91-48A3-AD6D-45FBA980D106}" type="slidenum">
               <a:rPr lang="en-US" smtClean="0"/>
               <a:pPr/>
-              <a:t>7</a:t>
+              <a:t>9</a:t>
             </a:fld>
             <a:endParaRPr lang="en-US" dirty="0"/>
           </a:p>
@@ -12435,6 +14836,142 @@
                 <a:schemeClr val="bg2"/>
               </a:buClr>
             </a:pPr>
+            <a:r>
+              <a:rPr lang="ru-RU" sz="2600" b="1" dirty="0" smtClean="0">
+                <a:solidFill>
+                  <a:schemeClr val="bg1">
+                    <a:lumMod val="60000"/>
+                    <a:lumOff val="40000"/>
+                  </a:schemeClr>
+                </a:solidFill>
+              </a:rPr>
+              <a:t>Типове данни</a:t>
+            </a:r>
+            <a:r>
+              <a:rPr lang="ru-RU" sz="2600" b="1" dirty="0" smtClean="0">
+                <a:solidFill>
+                  <a:schemeClr val="bg2"/>
+                </a:solidFill>
+              </a:rPr>
+              <a:t>:</a:t>
+            </a:r>
+          </a:p>
+          <a:p>
+            <a:pPr marL="888666" lvl="1" indent="-355600">
+              <a:lnSpc>
+                <a:spcPct val="100000"/>
+              </a:lnSpc>
+              <a:buClr>
+                <a:schemeClr val="bg2"/>
+              </a:buClr>
+            </a:pPr>
+            <a:r>
+              <a:rPr lang="ru-RU" sz="2400" b="1" dirty="0" smtClean="0">
+                <a:solidFill>
+                  <a:schemeClr val="bg2"/>
+                </a:solidFill>
+              </a:rPr>
+              <a:t>Текст</a:t>
+            </a:r>
+          </a:p>
+          <a:p>
+            <a:pPr marL="888666" lvl="1" indent="-355600">
+              <a:lnSpc>
+                <a:spcPct val="100000"/>
+              </a:lnSpc>
+              <a:buClr>
+                <a:schemeClr val="bg2"/>
+              </a:buClr>
+            </a:pPr>
+            <a:r>
+              <a:rPr lang="ru-RU" sz="2400" b="1" dirty="0" smtClean="0">
+                <a:solidFill>
+                  <a:schemeClr val="bg2"/>
+                </a:solidFill>
+              </a:rPr>
+              <a:t>Число</a:t>
+            </a:r>
+          </a:p>
+          <a:p>
+            <a:pPr marL="888666" lvl="1" indent="-355600">
+              <a:lnSpc>
+                <a:spcPct val="100000"/>
+              </a:lnSpc>
+              <a:buClr>
+                <a:schemeClr val="bg2"/>
+              </a:buClr>
+            </a:pPr>
+            <a:r>
+              <a:rPr lang="ru-RU" sz="2400" b="1" dirty="0" smtClean="0">
+                <a:solidFill>
+                  <a:schemeClr val="bg2"/>
+                </a:solidFill>
+              </a:rPr>
+              <a:t>Дата</a:t>
+            </a:r>
+          </a:p>
+          <a:p>
+            <a:pPr marL="888666" lvl="1" indent="-355600">
+              <a:lnSpc>
+                <a:spcPct val="100000"/>
+              </a:lnSpc>
+              <a:buClr>
+                <a:schemeClr val="bg2"/>
+              </a:buClr>
+            </a:pPr>
+            <a:r>
+              <a:rPr lang="ru-RU" sz="2400" b="1" dirty="0" smtClean="0">
+                <a:solidFill>
+                  <a:schemeClr val="bg2"/>
+                </a:solidFill>
+              </a:rPr>
+              <a:t>Валутни данни </a:t>
+            </a:r>
+            <a:r>
+              <a:rPr lang="ru-RU" sz="2400" dirty="0" smtClean="0">
+                <a:solidFill>
+                  <a:schemeClr val="bg2"/>
+                </a:solidFill>
+              </a:rPr>
+              <a:t>и др.</a:t>
+            </a:r>
+          </a:p>
+          <a:p>
+            <a:pPr marL="355600" indent="-355600">
+              <a:lnSpc>
+                <a:spcPct val="100000"/>
+              </a:lnSpc>
+              <a:buClr>
+                <a:schemeClr val="bg2"/>
+              </a:buClr>
+            </a:pPr>
+            <a:r>
+              <a:rPr lang="ru-RU" sz="2600" b="1" dirty="0" smtClean="0">
+                <a:solidFill>
+                  <a:schemeClr val="bg1">
+                    <a:lumMod val="60000"/>
+                    <a:lumOff val="40000"/>
+                  </a:schemeClr>
+                </a:solidFill>
+              </a:rPr>
+              <a:t>Форматиране</a:t>
+            </a:r>
+            <a:r>
+              <a:rPr lang="ru-RU" sz="2600" dirty="0" smtClean="0">
+                <a:solidFill>
+                  <a:schemeClr val="bg2"/>
+                </a:solidFill>
+              </a:rPr>
+              <a:t> на различните типове </a:t>
+            </a:r>
+            <a:r>
+              <a:rPr lang="ru-RU" sz="2600" b="1" dirty="0" smtClean="0">
+                <a:solidFill>
+                  <a:schemeClr val="bg2"/>
+                </a:solidFill>
+              </a:rPr>
+              <a:t>данни</a:t>
+            </a:r>
             <a:endParaRPr lang="ru-RU" sz="2600" b="1" dirty="0">
               <a:solidFill>
                 <a:schemeClr val="bg2"/>
@@ -12509,594 +15046,275 @@
   <p:timing>
     <p:tnLst>
       <p:par>
-        <p:cTn id="1" dur="indefinite" restart="never" nodeType="tmRoot"/>
-      </p:par>
-    </p:tnLst>
-  </p:timing>
-</p:sld>
-</file>
-
-<file path=ppt/slides/slide8.xml><?xml version="1.0" encoding="utf-8"?>
-<p:sld xmlns:a="http://schemas.openxmlformats.org/drawingml/2006/main" xmlns:r="http://schemas.openxmlformats.org/officeDocument/2006/relationships" xmlns:p="http://schemas.openxmlformats.org/presentationml/2006/main">
-  <p:cSld>
-    <p:spTree>
-      <p:nvGrpSpPr>
-        <p:cNvPr id="1" name=""/>
-        <p:cNvGrpSpPr/>
-        <p:nvPr/>
-      </p:nvGrpSpPr>
-      <p:grpSpPr>
-        <a:xfrm>
-          <a:off x="0" y="0"/>
-          <a:ext cx="0" cy="0"/>
-          <a:chOff x="0" y="0"/>
-          <a:chExt cx="0" cy="0"/>
-        </a:xfrm>
-      </p:grpSpPr>
-      <p:sp>
-        <p:nvSpPr>
-          <p:cNvPr id="5" name="Slide Title">
-            <a:extLst>
-              <a:ext uri="{FF2B5EF4-FFF2-40B4-BE49-F238E27FC236}">
-                <a16:creationId xmlns:a16="http://schemas.microsoft.com/office/drawing/2014/main" id="{FA0703FC-0F8F-4C80-A615-E4B381EC0E0C}"/>
-              </a:ext>
-            </a:extLst>
-          </p:cNvPr>
-          <p:cNvSpPr>
-            <a:spLocks noGrp="1"/>
-          </p:cNvSpPr>
-          <p:nvPr>
-            <p:ph type="title"/>
-          </p:nvPr>
-        </p:nvSpPr>
-        <p:spPr/>
-        <p:txBody>
-          <a:bodyPr/>
-          <a:lstStyle/>
-          <a:p>
-            <a:r>
-              <a:rPr lang="bg-BG" dirty="0"/>
-              <a:t>Въпроси</a:t>
-            </a:r>
-            <a:r>
-              <a:rPr lang="en-US" dirty="0"/>
-              <a:t>?</a:t>
-            </a:r>
-          </a:p>
-        </p:txBody>
-      </p:sp>
-      <p:sp>
-        <p:nvSpPr>
-          <p:cNvPr id="2" name="Rectangle Bottom Copyright">
-            <a:extLst>
-              <a:ext uri="{FF2B5EF4-FFF2-40B4-BE49-F238E27FC236}">
-                <a16:creationId xmlns:a16="http://schemas.microsoft.com/office/drawing/2014/main" id="{664812A4-2991-44D1-BFE9-32E55AADF8A5}"/>
-              </a:ext>
-            </a:extLst>
-          </p:cNvPr>
-          <p:cNvSpPr/>
-          <p:nvPr/>
-        </p:nvSpPr>
-        <p:spPr>
-          <a:xfrm>
-            <a:off x="111000" y="6454758"/>
-            <a:ext cx="11970000" cy="304242"/>
-          </a:xfrm>
-          <a:prstGeom prst="rect">
-            <a:avLst/>
-          </a:prstGeom>
-        </p:spPr>
-        <p:txBody>
-          <a:bodyPr wrap="square">
-            <a:noAutofit/>
-          </a:bodyPr>
-          <a:lstStyle/>
-          <a:p>
-            <a:pPr algn="ctr">
-              <a:lnSpc>
-                <a:spcPct val="100000"/>
-              </a:lnSpc>
-              <a:spcBef>
-                <a:spcPts val="0"/>
-              </a:spcBef>
-              <a:spcAft>
-                <a:spcPts val="0"/>
-              </a:spcAft>
-            </a:pPr>
-            <a:r>
-              <a:rPr lang="bg-BG" sz="1600" dirty="0">
-                <a:solidFill>
-                  <a:schemeClr val="bg2"/>
-                </a:solidFill>
-                <a:effectLst/>
-                <a:latin typeface="Calibri" panose="020F0502020204030204" pitchFamily="34" charset="0"/>
-                <a:ea typeface="Calibri" panose="020F0502020204030204" pitchFamily="34" charset="0"/>
-                <a:cs typeface="Arial" panose="020B0604020202020204" pitchFamily="34" charset="0"/>
-              </a:rPr>
-              <a:t>Проект "</a:t>
-            </a:r>
-            <a:r>
-              <a:rPr lang="bg-BG" sz="1600" dirty="0">
-                <a:solidFill>
-                  <a:schemeClr val="bg1">
-                    <a:lumMod val="20000"/>
-                    <a:lumOff val="80000"/>
-                  </a:schemeClr>
-                </a:solidFill>
-                <a:effectLst/>
-                <a:latin typeface="Calibri" panose="020F0502020204030204" pitchFamily="34" charset="0"/>
-                <a:ea typeface="Calibri" panose="020F0502020204030204" pitchFamily="34" charset="0"/>
-                <a:cs typeface="Arial" panose="020B0604020202020204" pitchFamily="34" charset="0"/>
-                <a:hlinkClick r:id="rId3">
-                  <a:extLst>
-                    <a:ext uri="{A12FA001-AC4F-418D-AE19-62706E023703}">
-                      <ahyp:hlinkClr xmlns="" xmlns:ahyp="http://schemas.microsoft.com/office/drawing/2018/hyperlinkcolor" val="tx"/>
-                    </a:ext>
-                  </a:extLst>
-                </a:hlinkClick>
-              </a:rPr>
-              <a:t>Отворено учебно съдържание по програмиране и ИТ</a:t>
-            </a:r>
-            <a:r>
-              <a:rPr lang="bg-BG" sz="1600" dirty="0">
-                <a:solidFill>
-                  <a:schemeClr val="bg2"/>
-                </a:solidFill>
-                <a:effectLst/>
-                <a:latin typeface="Calibri" panose="020F0502020204030204" pitchFamily="34" charset="0"/>
-                <a:ea typeface="Calibri" panose="020F0502020204030204" pitchFamily="34" charset="0"/>
-                <a:cs typeface="Arial" panose="020B0604020202020204" pitchFamily="34" charset="0"/>
-              </a:rPr>
-              <a:t>", СофтУни Фондация (лиценз </a:t>
-            </a:r>
-            <a:r>
-              <a:rPr lang="en-US" sz="1600" dirty="0">
-                <a:solidFill>
-                  <a:schemeClr val="bg2"/>
-                </a:solidFill>
-                <a:effectLst/>
-                <a:latin typeface="Calibri" panose="020F0502020204030204" pitchFamily="34" charset="0"/>
-                <a:ea typeface="Calibri" panose="020F0502020204030204" pitchFamily="34" charset="0"/>
-                <a:cs typeface="Arial" panose="020B0604020202020204" pitchFamily="34" charset="0"/>
-              </a:rPr>
-              <a:t>CC-BY-NC-SA</a:t>
-            </a:r>
-            <a:r>
-              <a:rPr lang="bg-BG" sz="1600" dirty="0">
-                <a:solidFill>
-                  <a:schemeClr val="bg2"/>
-                </a:solidFill>
-                <a:effectLst/>
-                <a:latin typeface="Calibri" panose="020F0502020204030204" pitchFamily="34" charset="0"/>
-                <a:ea typeface="Calibri" panose="020F0502020204030204" pitchFamily="34" charset="0"/>
-                <a:cs typeface="Arial" panose="020B0604020202020204" pitchFamily="34" charset="0"/>
-              </a:rPr>
-              <a:t>)</a:t>
-            </a:r>
-            <a:endParaRPr lang="bg-BG" sz="2400" dirty="0">
-              <a:solidFill>
-                <a:schemeClr val="bg2"/>
-              </a:solidFill>
-              <a:effectLst/>
-              <a:latin typeface="Calibri" panose="020F0502020204030204" pitchFamily="34" charset="0"/>
-              <a:ea typeface="Calibri" panose="020F0502020204030204" pitchFamily="34" charset="0"/>
-              <a:cs typeface="Arial" panose="020B0604020202020204" pitchFamily="34" charset="0"/>
-            </a:endParaRPr>
-          </a:p>
-        </p:txBody>
-      </p:sp>
-    </p:spTree>
-    <p:extLst>
-      <p:ext uri="{BB962C8B-B14F-4D97-AF65-F5344CB8AC3E}">
-        <p14:creationId xmlns:p14="http://schemas.microsoft.com/office/powerpoint/2010/main" val="1472534970"/>
-      </p:ext>
-    </p:extLst>
-  </p:cSld>
-  <p:clrMapOvr>
-    <a:masterClrMapping/>
-  </p:clrMapOvr>
-  <mc:AlternateContent xmlns:mc="http://schemas.openxmlformats.org/markup-compatibility/2006" xmlns:p14="http://schemas.microsoft.com/office/powerpoint/2010/main">
-    <mc:Choice Requires="p14">
-      <p:transition spd="slow" p14:dur="2000" advClick="0" advTm="5000"/>
-    </mc:Choice>
-    <mc:Fallback xmlns="">
-      <p:transition spd="slow" advClick="0" advTm="5000"/>
-    </mc:Fallback>
-  </mc:AlternateContent>
-  <p:timing>
-    <p:tnLst>
-      <p:par>
-        <p:cTn id="1" dur="indefinite" restart="never" nodeType="tmRoot"/>
-      </p:par>
-    </p:tnLst>
-  </p:timing>
-</p:sld>
-</file>
-
-<file path=ppt/slides/slide9.xml><?xml version="1.0" encoding="utf-8"?>
-<p:sld xmlns:a="http://schemas.openxmlformats.org/drawingml/2006/main" xmlns:r="http://schemas.openxmlformats.org/officeDocument/2006/relationships" xmlns:p="http://schemas.openxmlformats.org/presentationml/2006/main">
-  <p:cSld>
-    <p:spTree>
-      <p:nvGrpSpPr>
-        <p:cNvPr id="1" name=""/>
-        <p:cNvGrpSpPr/>
-        <p:nvPr/>
-      </p:nvGrpSpPr>
-      <p:grpSpPr>
-        <a:xfrm>
-          <a:off x="0" y="0"/>
-          <a:ext cx="0" cy="0"/>
-          <a:chOff x="0" y="0"/>
-          <a:chExt cx="0" cy="0"/>
-        </a:xfrm>
-      </p:grpSpPr>
-      <p:sp>
-        <p:nvSpPr>
-          <p:cNvPr id="5" name="Slide Number">
-            <a:extLst>
-              <a:ext uri="{FF2B5EF4-FFF2-40B4-BE49-F238E27FC236}">
-                <a16:creationId xmlns:a16="http://schemas.microsoft.com/office/drawing/2014/main" id="{F48C3C93-90A1-4D31-BEA6-B54D1106CE31}"/>
-              </a:ext>
-            </a:extLst>
-          </p:cNvPr>
-          <p:cNvSpPr>
-            <a:spLocks noGrp="1"/>
-          </p:cNvSpPr>
-          <p:nvPr>
-            <p:ph type="sldNum" sz="quarter" idx="5"/>
-          </p:nvPr>
-        </p:nvSpPr>
-        <p:spPr>
-          <a:xfrm>
-            <a:off x="11753030" y="6507000"/>
-            <a:ext cx="367414" cy="297000"/>
-          </a:xfrm>
-          <a:prstGeom prst="rect">
-            <a:avLst/>
-          </a:prstGeom>
-        </p:spPr>
-        <p:txBody>
-          <a:bodyPr vert="horz" lIns="91440" tIns="45720" rIns="91440" bIns="45720" rtlCol="0" anchor="b"/>
-          <a:lstStyle>
-            <a:lvl1pPr algn="r">
-              <a:defRPr sz="1000"/>
-            </a:lvl1pPr>
-          </a:lstStyle>
-          <a:p>
-            <a:fld id="{2BF067CD-8E6B-4360-9AA8-C5DF2A48A6D1}" type="slidenum">
-              <a:rPr lang="en-US" smtClean="0"/>
-              <a:pPr/>
-              <a:t>9</a:t>
-            </a:fld>
-            <a:endParaRPr lang="en-US" dirty="0"/>
-          </a:p>
-        </p:txBody>
-      </p:sp>
-      <p:sp>
-        <p:nvSpPr>
-          <p:cNvPr id="2" name="Slide Body">
-            <a:extLst>
-              <a:ext uri="{FF2B5EF4-FFF2-40B4-BE49-F238E27FC236}">
-                <a16:creationId xmlns:a16="http://schemas.microsoft.com/office/drawing/2014/main" id="{980F49B1-E4BE-4389-A747-7AB9B71AD920}"/>
-              </a:ext>
-            </a:extLst>
-          </p:cNvPr>
-          <p:cNvSpPr>
-            <a:spLocks noGrp="1"/>
-          </p:cNvSpPr>
-          <p:nvPr>
-            <p:ph type="body" sz="quarter" idx="10"/>
-          </p:nvPr>
-        </p:nvSpPr>
-        <p:spPr>
-          <a:xfrm>
-            <a:off x="190402" y="1269001"/>
-            <a:ext cx="9865598" cy="2474999"/>
-          </a:xfrm>
-        </p:spPr>
-        <p:txBody>
-          <a:bodyPr>
-            <a:normAutofit/>
-          </a:bodyPr>
-          <a:lstStyle/>
-          <a:p>
-            <a:pPr>
-              <a:lnSpc>
-                <a:spcPct val="120000"/>
-              </a:lnSpc>
-            </a:pPr>
-            <a:r>
-              <a:rPr lang="bg-BG" sz="3200" dirty="0"/>
-              <a:t>Този курс</a:t>
-            </a:r>
-            <a:r>
-              <a:rPr lang="en-US" sz="3200" dirty="0"/>
-              <a:t> (</a:t>
-            </a:r>
-            <a:r>
-              <a:rPr lang="bg-BG" sz="3200" dirty="0"/>
-              <a:t>презентации, примери, демонстрационен код, упражнения, домашни, видео и други активи</a:t>
-            </a:r>
-            <a:r>
-              <a:rPr lang="en-US" sz="3200" dirty="0"/>
-              <a:t>) </a:t>
-            </a:r>
-            <a:r>
-              <a:rPr lang="bg-BG" sz="3200" dirty="0"/>
-              <a:t>представлява</a:t>
-            </a:r>
-            <a:r>
-              <a:rPr lang="en-US" sz="3200" dirty="0"/>
-              <a:t> </a:t>
-            </a:r>
-            <a:r>
-              <a:rPr lang="bg-BG" sz="3200" b="1" dirty="0"/>
-              <a:t>свободно учебно съдържание </a:t>
-            </a:r>
-            <a:r>
-              <a:rPr lang="bg-BG" sz="3200" dirty="0"/>
-              <a:t>и се разпространява под свободен лиценз </a:t>
-            </a:r>
-            <a:r>
-              <a:rPr lang="en-US" sz="3200" b="1" dirty="0"/>
-              <a:t>CC-BY-NC-SA</a:t>
-            </a:r>
-            <a:endParaRPr lang="bg-BG" sz="3200" dirty="0"/>
-          </a:p>
-        </p:txBody>
-      </p:sp>
-      <p:pic>
-        <p:nvPicPr>
-          <p:cNvPr id="6" name="Picture License" descr="License">
-            <a:extLst>
-              <a:ext uri="{FF2B5EF4-FFF2-40B4-BE49-F238E27FC236}">
-                <a16:creationId xmlns:a16="http://schemas.microsoft.com/office/drawing/2014/main" id="{82BA520F-A037-4E01-AA18-27D9F1E930A6}"/>
-              </a:ext>
-            </a:extLst>
-          </p:cNvPr>
-          <p:cNvPicPr>
-            <a:picLocks noChangeAspect="1"/>
-          </p:cNvPicPr>
-          <p:nvPr/>
-        </p:nvPicPr>
-        <p:blipFill>
-          <a:blip r:embed="rId3">
-            <a:clrChange>
-              <a:clrFrom>
-                <a:srgbClr val="FFFFFF"/>
-              </a:clrFrom>
-              <a:clrTo>
-                <a:srgbClr val="FFFFFF">
-                  <a:alpha val="0"/>
-                </a:srgbClr>
-              </a:clrTo>
-            </a:clrChange>
-          </a:blip>
-          <a:stretch>
-            <a:fillRect/>
-          </a:stretch>
-        </p:blipFill>
-        <p:spPr>
-          <a:xfrm>
-            <a:off x="10226175" y="1440120"/>
-            <a:ext cx="1198986" cy="1268880"/>
-          </a:xfrm>
-          <a:prstGeom prst="rect">
-            <a:avLst/>
-          </a:prstGeom>
-        </p:spPr>
-      </p:pic>
-      <p:sp>
-        <p:nvSpPr>
-          <p:cNvPr id="3" name="Slide Title">
-            <a:extLst>
-              <a:ext uri="{FF2B5EF4-FFF2-40B4-BE49-F238E27FC236}">
-                <a16:creationId xmlns:a16="http://schemas.microsoft.com/office/drawing/2014/main" id="{E5F1FB41-80C3-4816-BC47-CCC50632E6E8}"/>
-              </a:ext>
-            </a:extLst>
-          </p:cNvPr>
-          <p:cNvSpPr>
-            <a:spLocks noGrp="1"/>
-          </p:cNvSpPr>
-          <p:nvPr>
-            <p:ph type="title"/>
-          </p:nvPr>
-        </p:nvSpPr>
-        <p:spPr/>
-        <p:txBody>
-          <a:bodyPr/>
-          <a:lstStyle/>
-          <a:p>
-            <a:r>
-              <a:rPr lang="bg-BG" dirty="0"/>
-              <a:t>Лиценз</a:t>
-            </a:r>
-          </a:p>
-        </p:txBody>
-      </p:sp>
-      <p:sp>
-        <p:nvSpPr>
-          <p:cNvPr id="11" name="TextBox 10">
-            <a:extLst>
-              <a:ext uri="{FF2B5EF4-FFF2-40B4-BE49-F238E27FC236}">
-                <a16:creationId xmlns:a16="http://schemas.microsoft.com/office/drawing/2014/main" id="{0C18DF19-B750-4C88-975B-661A6BF61F5E}"/>
-              </a:ext>
-            </a:extLst>
-          </p:cNvPr>
-          <p:cNvSpPr txBox="1"/>
-          <p:nvPr/>
-        </p:nvSpPr>
-        <p:spPr>
-          <a:xfrm>
-            <a:off x="190401" y="3927519"/>
-            <a:ext cx="11710599" cy="1979644"/>
-          </a:xfrm>
-          <a:prstGeom prst="rect">
-            <a:avLst/>
-          </a:prstGeom>
-          <a:noFill/>
-          <a:ln w="12700">
-            <a:noFill/>
-          </a:ln>
-        </p:spPr>
-        <p:txBody>
-          <a:bodyPr wrap="square">
-            <a:spAutoFit/>
-          </a:bodyPr>
-          <a:lstStyle/>
-          <a:p>
-            <a:pPr marL="360363" indent="-360363" defTabSz="1218438">
-              <a:lnSpc>
-                <a:spcPct val="120000"/>
-              </a:lnSpc>
-              <a:spcBef>
-                <a:spcPts val="600"/>
-              </a:spcBef>
-              <a:spcAft>
-                <a:spcPts val="600"/>
-              </a:spcAft>
-              <a:buFont typeface="Wingdings" panose="05000000000000000000" pitchFamily="2" charset="2"/>
-              <a:buChar char="§"/>
-              <a:defRPr/>
-            </a:pPr>
-            <a:r>
-              <a:rPr lang="bg-BG" sz="3200" dirty="0"/>
-              <a:t>Проект "</a:t>
-            </a:r>
-            <a:r>
-              <a:rPr lang="bg-BG" sz="3200" b="1" dirty="0"/>
-              <a:t>Отворено учебно съдържание по програмиране и ИТ</a:t>
-            </a:r>
-            <a:r>
-              <a:rPr lang="bg-BG" sz="3200" dirty="0"/>
-              <a:t>" към Фондация "Софтуерен университет"</a:t>
-            </a:r>
-            <a:r>
-              <a:rPr lang="en-US" sz="3200" dirty="0"/>
-              <a:t>:</a:t>
-            </a:r>
-            <a:endParaRPr lang="bg-BG" sz="3200" dirty="0"/>
-          </a:p>
-          <a:p>
-            <a:pPr marL="817563" lvl="1" indent="-360363" defTabSz="1218438">
-              <a:lnSpc>
-                <a:spcPct val="120000"/>
-              </a:lnSpc>
-              <a:spcBef>
-                <a:spcPts val="600"/>
-              </a:spcBef>
-              <a:spcAft>
-                <a:spcPts val="600"/>
-              </a:spcAft>
-              <a:buFont typeface="Wingdings" panose="05000000000000000000" pitchFamily="2" charset="2"/>
-              <a:buChar char="§"/>
-              <a:defRPr/>
-            </a:pPr>
-            <a:r>
-              <a:rPr kumimoji="0" lang="en-US" sz="3200" b="0" i="0" u="none" strike="noStrike" kern="1200" cap="none" spc="0" normalizeH="0" baseline="0" noProof="0" dirty="0">
-                <a:ln>
-                  <a:noFill/>
-                </a:ln>
-                <a:solidFill>
-                  <a:srgbClr val="234465"/>
-                </a:solidFill>
-                <a:effectLst/>
-                <a:uLnTx/>
-                <a:uFillTx/>
-                <a:latin typeface="Calibri"/>
-                <a:ea typeface="+mn-ea"/>
-                <a:cs typeface="+mn-cs"/>
-                <a:hlinkClick r:id="rId4"/>
-              </a:rPr>
-              <a:t>https://github.com/BG-IT-Edu</a:t>
-            </a:r>
-            <a:endParaRPr kumimoji="0" lang="bg-BG" sz="3200" b="0" i="0" u="none" strike="noStrike" kern="1200" cap="none" spc="0" normalizeH="0" baseline="0" noProof="0" dirty="0">
-              <a:ln>
-                <a:noFill/>
-              </a:ln>
-              <a:solidFill>
-                <a:srgbClr val="234465"/>
-              </a:solidFill>
-              <a:effectLst/>
-              <a:uLnTx/>
-              <a:uFillTx/>
-              <a:latin typeface="Calibri"/>
-              <a:ea typeface="+mn-ea"/>
-              <a:cs typeface="+mn-cs"/>
-            </a:endParaRPr>
-          </a:p>
-        </p:txBody>
-      </p:sp>
-      <p:pic>
-        <p:nvPicPr>
-          <p:cNvPr id="7" name="Picture 6" title="CC-BY-NC-SA License">
-            <a:hlinkClick r:id="rId5" tooltip="This work is licensed under the &quot;Creative Commons Attribution-NonCommercial-ShareAlike 4.0 International&quot; license"/>
-            <a:extLst>
-              <a:ext uri="{FF2B5EF4-FFF2-40B4-BE49-F238E27FC236}">
-                <a16:creationId xmlns:a16="http://schemas.microsoft.com/office/drawing/2014/main" id="{F6C77C47-F7D8-A176-5C69-7FDE5C7E8003}"/>
-              </a:ext>
-            </a:extLst>
-          </p:cNvPr>
-          <p:cNvPicPr>
-            <a:picLocks noChangeAspect="1" noChangeArrowheads="1"/>
-          </p:cNvPicPr>
-          <p:nvPr/>
-        </p:nvPicPr>
-        <p:blipFill>
-          <a:blip r:embed="rId6">
-            <a:extLst>
-              <a:ext uri="{28A0092B-C50C-407E-A947-70E740481C1C}">
-                <a14:useLocalDpi xmlns:a14="http://schemas.microsoft.com/office/drawing/2010/main"/>
-              </a:ext>
-            </a:extLst>
-          </a:blip>
-          <a:srcRect/>
-          <a:stretch>
-            <a:fillRect/>
-          </a:stretch>
-        </p:blipFill>
-        <p:spPr bwMode="auto">
-          <a:xfrm>
-            <a:off x="9831000" y="2908593"/>
-            <a:ext cx="1989336" cy="696022"/>
-          </a:xfrm>
-          <a:prstGeom prst="roundRect">
-            <a:avLst>
-              <a:gd name="adj" fmla="val 3940"/>
-            </a:avLst>
-          </a:prstGeom>
-          <a:solidFill>
-            <a:srgbClr val="231F20">
-              <a:alpha val="50000"/>
-            </a:srgbClr>
-          </a:solidFill>
-          <a:ln>
-            <a:noFill/>
-          </a:ln>
-        </p:spPr>
-      </p:pic>
-    </p:spTree>
-    <p:extLst>
-      <p:ext uri="{BB962C8B-B14F-4D97-AF65-F5344CB8AC3E}">
-        <p14:creationId xmlns:p14="http://schemas.microsoft.com/office/powerpoint/2010/main" val="3879276042"/>
-      </p:ext>
-    </p:extLst>
-  </p:cSld>
-  <p:clrMapOvr>
-    <a:masterClrMapping/>
-  </p:clrMapOvr>
-  <mc:AlternateContent xmlns:mc="http://schemas.openxmlformats.org/markup-compatibility/2006" xmlns:p14="http://schemas.microsoft.com/office/powerpoint/2010/main">
-    <mc:Choice Requires="p14">
-      <p:transition spd="slow" p14:dur="2000" advClick="0" advTm="5000"/>
-    </mc:Choice>
-    <mc:Fallback xmlns="">
-      <p:transition spd="slow" advClick="0" advTm="5000"/>
-    </mc:Fallback>
-  </mc:AlternateContent>
-  <p:timing>
-    <p:tnLst>
-      <p:par>
-        <p:cTn id="1" dur="indefinite" restart="never" nodeType="tmRoot"/>
+        <p:cTn id="1" dur="indefinite" restart="never" nodeType="tmRoot">
+          <p:childTnLst>
+            <p:seq concurrent="1" nextAc="seek">
+              <p:cTn id="2" dur="indefinite" nodeType="mainSeq">
+                <p:childTnLst>
+                  <p:par>
+                    <p:cTn id="3" fill="hold">
+                      <p:stCondLst>
+                        <p:cond delay="indefinite"/>
+                      </p:stCondLst>
+                      <p:childTnLst>
+                        <p:par>
+                          <p:cTn id="4" fill="hold">
+                            <p:stCondLst>
+                              <p:cond delay="0"/>
+                            </p:stCondLst>
+                            <p:childTnLst>
+                              <p:par>
+                                <p:cTn id="5" presetID="1" presetClass="entr" presetSubtype="0" fill="hold" nodeType="clickEffect">
+                                  <p:stCondLst>
+                                    <p:cond delay="0"/>
+                                  </p:stCondLst>
+                                  <p:childTnLst>
+                                    <p:set>
+                                      <p:cBhvr>
+                                        <p:cTn id="6" dur="1" fill="hold">
+                                          <p:stCondLst>
+                                            <p:cond delay="0"/>
+                                          </p:stCondLst>
+                                        </p:cTn>
+                                        <p:tgtEl>
+                                          <p:spTgt spid="15">
+                                            <p:txEl>
+                                              <p:pRg st="1" end="1"/>
+                                            </p:txEl>
+                                          </p:spTgt>
+                                        </p:tgtEl>
+                                        <p:attrNameLst>
+                                          <p:attrName>style.visibility</p:attrName>
+                                        </p:attrNameLst>
+                                      </p:cBhvr>
+                                      <p:to>
+                                        <p:strVal val="visible"/>
+                                      </p:to>
+                                    </p:set>
+                                  </p:childTnLst>
+                                </p:cTn>
+                              </p:par>
+                            </p:childTnLst>
+                          </p:cTn>
+                        </p:par>
+                      </p:childTnLst>
+                    </p:cTn>
+                  </p:par>
+                  <p:par>
+                    <p:cTn id="7" fill="hold">
+                      <p:stCondLst>
+                        <p:cond delay="indefinite"/>
+                      </p:stCondLst>
+                      <p:childTnLst>
+                        <p:par>
+                          <p:cTn id="8" fill="hold">
+                            <p:stCondLst>
+                              <p:cond delay="0"/>
+                            </p:stCondLst>
+                            <p:childTnLst>
+                              <p:par>
+                                <p:cTn id="9" presetID="1" presetClass="entr" presetSubtype="0" fill="hold" nodeType="clickEffect">
+                                  <p:stCondLst>
+                                    <p:cond delay="0"/>
+                                  </p:stCondLst>
+                                  <p:childTnLst>
+                                    <p:set>
+                                      <p:cBhvr>
+                                        <p:cTn id="10" dur="1" fill="hold">
+                                          <p:stCondLst>
+                                            <p:cond delay="0"/>
+                                          </p:stCondLst>
+                                        </p:cTn>
+                                        <p:tgtEl>
+                                          <p:spTgt spid="15">
+                                            <p:txEl>
+                                              <p:pRg st="2" end="2"/>
+                                            </p:txEl>
+                                          </p:spTgt>
+                                        </p:tgtEl>
+                                        <p:attrNameLst>
+                                          <p:attrName>style.visibility</p:attrName>
+                                        </p:attrNameLst>
+                                      </p:cBhvr>
+                                      <p:to>
+                                        <p:strVal val="visible"/>
+                                      </p:to>
+                                    </p:set>
+                                  </p:childTnLst>
+                                </p:cTn>
+                              </p:par>
+                            </p:childTnLst>
+                          </p:cTn>
+                        </p:par>
+                      </p:childTnLst>
+                    </p:cTn>
+                  </p:par>
+                  <p:par>
+                    <p:cTn id="11" fill="hold">
+                      <p:stCondLst>
+                        <p:cond delay="indefinite"/>
+                      </p:stCondLst>
+                      <p:childTnLst>
+                        <p:par>
+                          <p:cTn id="12" fill="hold">
+                            <p:stCondLst>
+                              <p:cond delay="0"/>
+                            </p:stCondLst>
+                            <p:childTnLst>
+                              <p:par>
+                                <p:cTn id="13" presetID="1" presetClass="entr" presetSubtype="0" fill="hold" nodeType="clickEffect">
+                                  <p:stCondLst>
+                                    <p:cond delay="0"/>
+                                  </p:stCondLst>
+                                  <p:childTnLst>
+                                    <p:set>
+                                      <p:cBhvr>
+                                        <p:cTn id="14" dur="1" fill="hold">
+                                          <p:stCondLst>
+                                            <p:cond delay="0"/>
+                                          </p:stCondLst>
+                                        </p:cTn>
+                                        <p:tgtEl>
+                                          <p:spTgt spid="15">
+                                            <p:txEl>
+                                              <p:pRg st="3" end="3"/>
+                                            </p:txEl>
+                                          </p:spTgt>
+                                        </p:tgtEl>
+                                        <p:attrNameLst>
+                                          <p:attrName>style.visibility</p:attrName>
+                                        </p:attrNameLst>
+                                      </p:cBhvr>
+                                      <p:to>
+                                        <p:strVal val="visible"/>
+                                      </p:to>
+                                    </p:set>
+                                  </p:childTnLst>
+                                </p:cTn>
+                              </p:par>
+                            </p:childTnLst>
+                          </p:cTn>
+                        </p:par>
+                      </p:childTnLst>
+                    </p:cTn>
+                  </p:par>
+                  <p:par>
+                    <p:cTn id="15" fill="hold">
+                      <p:stCondLst>
+                        <p:cond delay="indefinite"/>
+                      </p:stCondLst>
+                      <p:childTnLst>
+                        <p:par>
+                          <p:cTn id="16" fill="hold">
+                            <p:stCondLst>
+                              <p:cond delay="0"/>
+                            </p:stCondLst>
+                            <p:childTnLst>
+                              <p:par>
+                                <p:cTn id="17" presetID="1" presetClass="entr" presetSubtype="0" fill="hold" nodeType="clickEffect">
+                                  <p:stCondLst>
+                                    <p:cond delay="0"/>
+                                  </p:stCondLst>
+                                  <p:childTnLst>
+                                    <p:set>
+                                      <p:cBhvr>
+                                        <p:cTn id="18" dur="1" fill="hold">
+                                          <p:stCondLst>
+                                            <p:cond delay="0"/>
+                                          </p:stCondLst>
+                                        </p:cTn>
+                                        <p:tgtEl>
+                                          <p:spTgt spid="15">
+                                            <p:txEl>
+                                              <p:pRg st="4" end="4"/>
+                                            </p:txEl>
+                                          </p:spTgt>
+                                        </p:tgtEl>
+                                        <p:attrNameLst>
+                                          <p:attrName>style.visibility</p:attrName>
+                                        </p:attrNameLst>
+                                      </p:cBhvr>
+                                      <p:to>
+                                        <p:strVal val="visible"/>
+                                      </p:to>
+                                    </p:set>
+                                  </p:childTnLst>
+                                </p:cTn>
+                              </p:par>
+                            </p:childTnLst>
+                          </p:cTn>
+                        </p:par>
+                      </p:childTnLst>
+                    </p:cTn>
+                  </p:par>
+                  <p:par>
+                    <p:cTn id="19" fill="hold">
+                      <p:stCondLst>
+                        <p:cond delay="indefinite"/>
+                      </p:stCondLst>
+                      <p:childTnLst>
+                        <p:par>
+                          <p:cTn id="20" fill="hold">
+                            <p:stCondLst>
+                              <p:cond delay="0"/>
+                            </p:stCondLst>
+                            <p:childTnLst>
+                              <p:par>
+                                <p:cTn id="21" presetID="1" presetClass="entr" presetSubtype="0" fill="hold" nodeType="clickEffect">
+                                  <p:stCondLst>
+                                    <p:cond delay="0"/>
+                                  </p:stCondLst>
+                                  <p:childTnLst>
+                                    <p:set>
+                                      <p:cBhvr>
+                                        <p:cTn id="22" dur="1" fill="hold">
+                                          <p:stCondLst>
+                                            <p:cond delay="0"/>
+                                          </p:stCondLst>
+                                        </p:cTn>
+                                        <p:tgtEl>
+                                          <p:spTgt spid="15">
+                                            <p:txEl>
+                                              <p:pRg st="5" end="5"/>
+                                            </p:txEl>
+                                          </p:spTgt>
+                                        </p:tgtEl>
+                                        <p:attrNameLst>
+                                          <p:attrName>style.visibility</p:attrName>
+                                        </p:attrNameLst>
+                                      </p:cBhvr>
+                                      <p:to>
+                                        <p:strVal val="visible"/>
+                                      </p:to>
+                                    </p:set>
+                                  </p:childTnLst>
+                                </p:cTn>
+                              </p:par>
+                            </p:childTnLst>
+                          </p:cTn>
+                        </p:par>
+                      </p:childTnLst>
+                    </p:cTn>
+                  </p:par>
+                </p:childTnLst>
+              </p:cTn>
+              <p:prevCondLst>
+                <p:cond evt="onPrev" delay="0">
+                  <p:tgtEl>
+                    <p:sldTgt/>
+                  </p:tgtEl>
+                </p:cond>
+              </p:prevCondLst>
+              <p:nextCondLst>
+                <p:cond evt="onNext" delay="0">
+                  <p:tgtEl>
+                    <p:sldTgt/>
+                  </p:tgtEl>
+                </p:cond>
+              </p:nextCondLst>
+            </p:seq>
+          </p:childTnLst>
+        </p:cTn>
       </p:par>
     </p:tnLst>
   </p:timing>
